--- a/2025/Salvador/TDP/About Software/flowchart.pptx
+++ b/2025/Salvador/TDP/About Software/flowchart.pptx
@@ -9,6 +9,8 @@
     <p:sldId id="257" r:id="rId3"/>
     <p:sldId id="258" r:id="rId4"/>
     <p:sldId id="259" r:id="rId5"/>
+    <p:sldId id="260" r:id="rId6"/>
+    <p:sldId id="261" r:id="rId7"/>
   </p:sldIdLst>
   <p:sldSz cx="12192000" cy="6858000"/>
   <p:notesSz cx="6858000" cy="9144000"/>
@@ -352,7 +354,7 @@
           <a:p>
             <a:fld id="{D84EDCA8-8BD0-4336-A8B2-CA22620ADD6A}" type="datetimeFigureOut">
               <a:rPr kumimoji="1" lang="ja-JP" altLang="en-US" smtClean="0"/>
-              <a:t>2025/7/8</a:t>
+              <a:t>2025/7/9</a:t>
             </a:fld>
             <a:endParaRPr kumimoji="1" lang="ja-JP" altLang="en-US"/>
           </a:p>
@@ -582,7 +584,7 @@
           <a:p>
             <a:fld id="{D84EDCA8-8BD0-4336-A8B2-CA22620ADD6A}" type="datetimeFigureOut">
               <a:rPr kumimoji="1" lang="ja-JP" altLang="en-US" smtClean="0"/>
-              <a:t>2025/7/8</a:t>
+              <a:t>2025/7/9</a:t>
             </a:fld>
             <a:endParaRPr kumimoji="1" lang="ja-JP" altLang="en-US"/>
           </a:p>
@@ -822,7 +824,7 @@
           <a:p>
             <a:fld id="{D84EDCA8-8BD0-4336-A8B2-CA22620ADD6A}" type="datetimeFigureOut">
               <a:rPr kumimoji="1" lang="ja-JP" altLang="en-US" smtClean="0"/>
-              <a:t>2025/7/8</a:t>
+              <a:t>2025/7/9</a:t>
             </a:fld>
             <a:endParaRPr kumimoji="1" lang="ja-JP" altLang="en-US"/>
           </a:p>
@@ -1052,7 +1054,7 @@
           <a:p>
             <a:fld id="{D84EDCA8-8BD0-4336-A8B2-CA22620ADD6A}" type="datetimeFigureOut">
               <a:rPr kumimoji="1" lang="ja-JP" altLang="en-US" smtClean="0"/>
-              <a:t>2025/7/8</a:t>
+              <a:t>2025/7/9</a:t>
             </a:fld>
             <a:endParaRPr kumimoji="1" lang="ja-JP" altLang="en-US"/>
           </a:p>
@@ -1327,7 +1329,7 @@
           <a:p>
             <a:fld id="{D84EDCA8-8BD0-4336-A8B2-CA22620ADD6A}" type="datetimeFigureOut">
               <a:rPr kumimoji="1" lang="ja-JP" altLang="en-US" smtClean="0"/>
-              <a:t>2025/7/8</a:t>
+              <a:t>2025/7/9</a:t>
             </a:fld>
             <a:endParaRPr kumimoji="1" lang="ja-JP" altLang="en-US"/>
           </a:p>
@@ -1656,7 +1658,7 @@
           <a:p>
             <a:fld id="{D84EDCA8-8BD0-4336-A8B2-CA22620ADD6A}" type="datetimeFigureOut">
               <a:rPr kumimoji="1" lang="ja-JP" altLang="en-US" smtClean="0"/>
-              <a:t>2025/7/8</a:t>
+              <a:t>2025/7/9</a:t>
             </a:fld>
             <a:endParaRPr kumimoji="1" lang="ja-JP" altLang="en-US"/>
           </a:p>
@@ -2132,7 +2134,7 @@
           <a:p>
             <a:fld id="{D84EDCA8-8BD0-4336-A8B2-CA22620ADD6A}" type="datetimeFigureOut">
               <a:rPr kumimoji="1" lang="ja-JP" altLang="en-US" smtClean="0"/>
-              <a:t>2025/7/8</a:t>
+              <a:t>2025/7/9</a:t>
             </a:fld>
             <a:endParaRPr kumimoji="1" lang="ja-JP" altLang="en-US"/>
           </a:p>
@@ -2273,7 +2275,7 @@
           <a:p>
             <a:fld id="{D84EDCA8-8BD0-4336-A8B2-CA22620ADD6A}" type="datetimeFigureOut">
               <a:rPr kumimoji="1" lang="ja-JP" altLang="en-US" smtClean="0"/>
-              <a:t>2025/7/8</a:t>
+              <a:t>2025/7/9</a:t>
             </a:fld>
             <a:endParaRPr kumimoji="1" lang="ja-JP" altLang="en-US"/>
           </a:p>
@@ -2386,7 +2388,7 @@
           <a:p>
             <a:fld id="{D84EDCA8-8BD0-4336-A8B2-CA22620ADD6A}" type="datetimeFigureOut">
               <a:rPr kumimoji="1" lang="ja-JP" altLang="en-US" smtClean="0"/>
-              <a:t>2025/7/8</a:t>
+              <a:t>2025/7/9</a:t>
             </a:fld>
             <a:endParaRPr kumimoji="1" lang="ja-JP" altLang="en-US"/>
           </a:p>
@@ -2729,7 +2731,7 @@
           <a:p>
             <a:fld id="{D84EDCA8-8BD0-4336-A8B2-CA22620ADD6A}" type="datetimeFigureOut">
               <a:rPr kumimoji="1" lang="ja-JP" altLang="en-US" smtClean="0"/>
-              <a:t>2025/7/8</a:t>
+              <a:t>2025/7/9</a:t>
             </a:fld>
             <a:endParaRPr kumimoji="1" lang="ja-JP" altLang="en-US"/>
           </a:p>
@@ -3017,7 +3019,7 @@
           <a:p>
             <a:fld id="{D84EDCA8-8BD0-4336-A8B2-CA22620ADD6A}" type="datetimeFigureOut">
               <a:rPr kumimoji="1" lang="ja-JP" altLang="en-US" smtClean="0"/>
-              <a:t>2025/7/8</a:t>
+              <a:t>2025/7/9</a:t>
             </a:fld>
             <a:endParaRPr kumimoji="1" lang="ja-JP" altLang="en-US"/>
           </a:p>
@@ -3290,7 +3292,7 @@
           <a:p>
             <a:fld id="{D84EDCA8-8BD0-4336-A8B2-CA22620ADD6A}" type="datetimeFigureOut">
               <a:rPr kumimoji="1" lang="ja-JP" altLang="en-US" smtClean="0"/>
-              <a:t>2025/7/8</a:t>
+              <a:t>2025/7/9</a:t>
             </a:fld>
             <a:endParaRPr kumimoji="1" lang="ja-JP" altLang="en-US"/>
           </a:p>
@@ -7664,6 +7666,1372 @@
     <p:extLst>
       <p:ext uri="{BB962C8B-B14F-4D97-AF65-F5344CB8AC3E}">
         <p14:creationId xmlns:p14="http://schemas.microsoft.com/office/powerpoint/2010/main" val="1171529384"/>
+      </p:ext>
+    </p:extLst>
+  </p:cSld>
+  <p:clrMapOvr>
+    <a:masterClrMapping/>
+  </p:clrMapOvr>
+</p:sld>
+</file>
+
+<file path=ppt/slides/slide5.xml><?xml version="1.0" encoding="utf-8"?>
+<p:sld xmlns:a="http://schemas.openxmlformats.org/drawingml/2006/main" xmlns:r="http://schemas.openxmlformats.org/officeDocument/2006/relationships" xmlns:p="http://schemas.openxmlformats.org/presentationml/2006/main">
+  <p:cSld>
+    <p:spTree>
+      <p:nvGrpSpPr>
+        <p:cNvPr id="1" name=""/>
+        <p:cNvGrpSpPr/>
+        <p:nvPr/>
+      </p:nvGrpSpPr>
+      <p:grpSpPr>
+        <a:xfrm>
+          <a:off x="0" y="0"/>
+          <a:ext cx="0" cy="0"/>
+          <a:chOff x="0" y="0"/>
+          <a:chExt cx="0" cy="0"/>
+        </a:xfrm>
+      </p:grpSpPr>
+      <p:pic>
+        <p:nvPicPr>
+          <p:cNvPr id="4" name="図 3">
+            <a:extLst>
+              <a:ext uri="{FF2B5EF4-FFF2-40B4-BE49-F238E27FC236}">
+                <a16:creationId xmlns:a16="http://schemas.microsoft.com/office/drawing/2014/main" id="{1DB2F2B1-3E17-5AA8-222F-FB0BD00843DE}"/>
+              </a:ext>
+            </a:extLst>
+          </p:cNvPr>
+          <p:cNvPicPr>
+            <a:picLocks noChangeAspect="1"/>
+          </p:cNvPicPr>
+          <p:nvPr/>
+        </p:nvPicPr>
+        <p:blipFill>
+          <a:blip r:embed="rId2"/>
+          <a:stretch>
+            <a:fillRect/>
+          </a:stretch>
+        </p:blipFill>
+        <p:spPr>
+          <a:xfrm>
+            <a:off x="166561" y="1727247"/>
+            <a:ext cx="5073727" cy="4569279"/>
+          </a:xfrm>
+          <a:prstGeom prst="rect">
+            <a:avLst/>
+          </a:prstGeom>
+        </p:spPr>
+      </p:pic>
+      <p:sp>
+        <p:nvSpPr>
+          <p:cNvPr id="5" name="テキスト ボックス 4">
+            <a:extLst>
+              <a:ext uri="{FF2B5EF4-FFF2-40B4-BE49-F238E27FC236}">
+                <a16:creationId xmlns:a16="http://schemas.microsoft.com/office/drawing/2014/main" id="{5700BBBB-3070-B598-457A-06DBC0C7073E}"/>
+              </a:ext>
+            </a:extLst>
+          </p:cNvPr>
+          <p:cNvSpPr txBox="1"/>
+          <p:nvPr/>
+        </p:nvSpPr>
+        <p:spPr>
+          <a:xfrm>
+            <a:off x="5240288" y="1772211"/>
+            <a:ext cx="6785151" cy="4247317"/>
+          </a:xfrm>
+          <a:prstGeom prst="rect">
+            <a:avLst/>
+          </a:prstGeom>
+          <a:noFill/>
+        </p:spPr>
+        <p:txBody>
+          <a:bodyPr wrap="square" rtlCol="0">
+            <a:spAutoFit/>
+          </a:bodyPr>
+          <a:lstStyle/>
+          <a:p>
+            <a:r>
+              <a:rPr lang="en-US" altLang="ja-JP" dirty="0"/>
+              <a:t>Based on the digital values (0 or 1) obtained from the line sensors, calculations are performed corresponding to the sensor numbers that detected a response (value of 1). Specifically, for each activated sensor number, we calculate 2number2^{\text{number}}2number and then sum all these values.</a:t>
+            </a:r>
+          </a:p>
+          <a:p>
+            <a:r>
+              <a:rPr lang="en-US" altLang="ja-JP" dirty="0"/>
+              <a:t>For example, if sensors number 4 and 9 respond, the calculation is:</a:t>
+            </a:r>
+            <a:br>
+              <a:rPr lang="en-US" altLang="ja-JP" dirty="0"/>
+            </a:br>
+            <a:r>
+              <a:rPr lang="en-US" altLang="ja-JP" dirty="0"/>
+              <a:t>2^4+2^9=16+512=528 </a:t>
+            </a:r>
+          </a:p>
+          <a:p>
+            <a:r>
+              <a:rPr lang="en-US" altLang="ja-JP" dirty="0"/>
+              <a:t>Using this method, the response states of multiple sensors can be managed as a single summed value, allowing for fast processing and state detection through bitwise operations. This summed value is then transmitted to the Teensy 4.0 via serial communication.</a:t>
+            </a:r>
+          </a:p>
+          <a:p>
+            <a:endParaRPr kumimoji="1" lang="ja-JP" altLang="en-US" dirty="0"/>
+          </a:p>
+        </p:txBody>
+      </p:sp>
+    </p:spTree>
+    <p:extLst>
+      <p:ext uri="{BB962C8B-B14F-4D97-AF65-F5344CB8AC3E}">
+        <p14:creationId xmlns:p14="http://schemas.microsoft.com/office/powerpoint/2010/main" val="2801613114"/>
+      </p:ext>
+    </p:extLst>
+  </p:cSld>
+  <p:clrMapOvr>
+    <a:masterClrMapping/>
+  </p:clrMapOvr>
+</p:sld>
+</file>
+
+<file path=ppt/slides/slide6.xml><?xml version="1.0" encoding="utf-8"?>
+<p:sld xmlns:a="http://schemas.openxmlformats.org/drawingml/2006/main" xmlns:r="http://schemas.openxmlformats.org/officeDocument/2006/relationships" xmlns:p="http://schemas.openxmlformats.org/presentationml/2006/main">
+  <p:cSld>
+    <p:spTree>
+      <p:nvGrpSpPr>
+        <p:cNvPr id="1" name=""/>
+        <p:cNvGrpSpPr/>
+        <p:nvPr/>
+      </p:nvGrpSpPr>
+      <p:grpSpPr>
+        <a:xfrm>
+          <a:off x="0" y="0"/>
+          <a:ext cx="0" cy="0"/>
+          <a:chOff x="0" y="0"/>
+          <a:chExt cx="0" cy="0"/>
+        </a:xfrm>
+      </p:grpSpPr>
+      <p:sp>
+        <p:nvSpPr>
+          <p:cNvPr id="4" name="テキスト ボックス 3">
+            <a:extLst>
+              <a:ext uri="{FF2B5EF4-FFF2-40B4-BE49-F238E27FC236}">
+                <a16:creationId xmlns:a16="http://schemas.microsoft.com/office/drawing/2014/main" id="{0D010CD9-4015-E165-B46C-3959800006F8}"/>
+              </a:ext>
+            </a:extLst>
+          </p:cNvPr>
+          <p:cNvSpPr txBox="1"/>
+          <p:nvPr/>
+        </p:nvSpPr>
+        <p:spPr>
+          <a:xfrm>
+            <a:off x="4844716" y="1524000"/>
+            <a:ext cx="7042484" cy="5355312"/>
+          </a:xfrm>
+          <a:prstGeom prst="rect">
+            <a:avLst/>
+          </a:prstGeom>
+          <a:noFill/>
+        </p:spPr>
+        <p:txBody>
+          <a:bodyPr wrap="square" rtlCol="0">
+            <a:spAutoFit/>
+          </a:bodyPr>
+          <a:lstStyle/>
+          <a:p>
+            <a:r>
+              <a:rPr lang="en-US" altLang="ja-JP" dirty="0"/>
+              <a:t>On the Teensy side, the received summed value is used to determine which sensors were activated. The processing steps are as follows:</a:t>
+            </a:r>
+          </a:p>
+          <a:p>
+            <a:r>
+              <a:rPr lang="en-US" altLang="ja-JP" dirty="0"/>
+              <a:t>1.Check the received summed value (for example, 528).</a:t>
+            </a:r>
+          </a:p>
+          <a:p>
+            <a:endParaRPr lang="en-US" altLang="ja-JP" dirty="0"/>
+          </a:p>
+          <a:p>
+            <a:r>
+              <a:rPr lang="en-US" altLang="ja-JP" dirty="0"/>
+              <a:t>2.Starting from the highest sensor number, check whether the summed value is greater than or equal to 2^n (e.g., from n = 15 down to 0).</a:t>
+            </a:r>
+          </a:p>
+          <a:p>
+            <a:endParaRPr lang="en-US" altLang="ja-JP" dirty="0"/>
+          </a:p>
+          <a:p>
+            <a:r>
+              <a:rPr lang="en-US" altLang="ja-JP" dirty="0"/>
+              <a:t>3.If the summed value is greater than or equal to 2^n, it is determined that sensor number n was activated, and 2^n is subtracted from the summed value.</a:t>
+            </a:r>
+          </a:p>
+          <a:p>
+            <a:endParaRPr lang="en-US" altLang="ja-JP" dirty="0"/>
+          </a:p>
+          <a:p>
+            <a:r>
+              <a:rPr lang="en-US" altLang="ja-JP" dirty="0"/>
+              <a:t>4.Add sensor number n to the array of activated sensors.</a:t>
+            </a:r>
+          </a:p>
+          <a:p>
+            <a:endParaRPr lang="en-US" altLang="ja-JP" dirty="0"/>
+          </a:p>
+          <a:p>
+            <a:r>
+              <a:rPr lang="en-US" altLang="ja-JP" dirty="0"/>
+              <a:t>5.Repeat this process until the summed value becomes zero.</a:t>
+            </a:r>
+          </a:p>
+          <a:p>
+            <a:endParaRPr lang="en-US" altLang="ja-JP" dirty="0"/>
+          </a:p>
+          <a:p>
+            <a:r>
+              <a:rPr lang="en-US" altLang="ja-JP" dirty="0"/>
+              <a:t>6.Finally, all activated sensor numbers are stored in the array.</a:t>
+            </a:r>
+          </a:p>
+          <a:p>
+            <a:endParaRPr kumimoji="1" lang="ja-JP" altLang="en-US" dirty="0"/>
+          </a:p>
+        </p:txBody>
+      </p:sp>
+      <p:sp>
+        <p:nvSpPr>
+          <p:cNvPr id="5" name="フローチャート: 代替処理 4">
+            <a:extLst>
+              <a:ext uri="{FF2B5EF4-FFF2-40B4-BE49-F238E27FC236}">
+                <a16:creationId xmlns:a16="http://schemas.microsoft.com/office/drawing/2014/main" id="{5EAB1368-3791-9DFE-517C-156A61050D0B}"/>
+              </a:ext>
+            </a:extLst>
+          </p:cNvPr>
+          <p:cNvSpPr/>
+          <p:nvPr/>
+        </p:nvSpPr>
+        <p:spPr>
+          <a:xfrm>
+            <a:off x="1712164" y="164916"/>
+            <a:ext cx="2438158" cy="503505"/>
+          </a:xfrm>
+          <a:prstGeom prst="flowChartAlternateProcess">
+            <a:avLst/>
+          </a:prstGeom>
+          <a:solidFill>
+            <a:schemeClr val="tx2">
+              <a:lumMod val="25000"/>
+              <a:lumOff val="75000"/>
+            </a:schemeClr>
+          </a:solidFill>
+          <a:ln>
+            <a:solidFill>
+              <a:schemeClr val="tx1"/>
+            </a:solidFill>
+          </a:ln>
+        </p:spPr>
+        <p:style>
+          <a:lnRef idx="2">
+            <a:schemeClr val="accent1">
+              <a:shade val="15000"/>
+            </a:schemeClr>
+          </a:lnRef>
+          <a:fillRef idx="1">
+            <a:schemeClr val="accent1"/>
+          </a:fillRef>
+          <a:effectRef idx="0">
+            <a:schemeClr val="accent1"/>
+          </a:effectRef>
+          <a:fontRef idx="minor">
+            <a:schemeClr val="lt1"/>
+          </a:fontRef>
+        </p:style>
+        <p:txBody>
+          <a:bodyPr rtlCol="0" anchor="ctr"/>
+          <a:lstStyle/>
+          <a:p>
+            <a:pPr algn="ctr"/>
+            <a:r>
+              <a:rPr lang="en-US" altLang="ja-JP" sz="2800" b="1" dirty="0">
+                <a:solidFill>
+                  <a:schemeClr val="tx1"/>
+                </a:solidFill>
+              </a:rPr>
+              <a:t>START</a:t>
+            </a:r>
+            <a:endParaRPr kumimoji="1" lang="ja-JP" altLang="en-US" sz="2800" b="1" dirty="0">
+              <a:solidFill>
+                <a:schemeClr val="tx1"/>
+              </a:solidFill>
+            </a:endParaRPr>
+          </a:p>
+        </p:txBody>
+      </p:sp>
+      <p:sp>
+        <p:nvSpPr>
+          <p:cNvPr id="7" name="フローチャート: 代替処理 6">
+            <a:extLst>
+              <a:ext uri="{FF2B5EF4-FFF2-40B4-BE49-F238E27FC236}">
+                <a16:creationId xmlns:a16="http://schemas.microsoft.com/office/drawing/2014/main" id="{C984AE2D-41E7-3671-9C21-D6EA5C7117EC}"/>
+              </a:ext>
+            </a:extLst>
+          </p:cNvPr>
+          <p:cNvSpPr/>
+          <p:nvPr/>
+        </p:nvSpPr>
+        <p:spPr>
+          <a:xfrm>
+            <a:off x="1721080" y="6143070"/>
+            <a:ext cx="2454442" cy="495870"/>
+          </a:xfrm>
+          <a:prstGeom prst="flowChartAlternateProcess">
+            <a:avLst/>
+          </a:prstGeom>
+          <a:solidFill>
+            <a:schemeClr val="tx2">
+              <a:lumMod val="25000"/>
+              <a:lumOff val="75000"/>
+            </a:schemeClr>
+          </a:solidFill>
+          <a:ln>
+            <a:solidFill>
+              <a:schemeClr val="tx1"/>
+            </a:solidFill>
+          </a:ln>
+        </p:spPr>
+        <p:style>
+          <a:lnRef idx="2">
+            <a:schemeClr val="accent1">
+              <a:shade val="15000"/>
+            </a:schemeClr>
+          </a:lnRef>
+          <a:fillRef idx="1">
+            <a:schemeClr val="accent1"/>
+          </a:fillRef>
+          <a:effectRef idx="0">
+            <a:schemeClr val="accent1"/>
+          </a:effectRef>
+          <a:fontRef idx="minor">
+            <a:schemeClr val="lt1"/>
+          </a:fontRef>
+        </p:style>
+        <p:txBody>
+          <a:bodyPr rtlCol="0" anchor="ctr"/>
+          <a:lstStyle/>
+          <a:p>
+            <a:pPr algn="ctr"/>
+            <a:r>
+              <a:rPr lang="en-US" altLang="ja-JP" sz="2800" b="1" dirty="0">
+                <a:solidFill>
+                  <a:schemeClr val="tx1"/>
+                </a:solidFill>
+              </a:rPr>
+              <a:t>END</a:t>
+            </a:r>
+            <a:endParaRPr kumimoji="1" lang="ja-JP" altLang="en-US" sz="2800" b="1" dirty="0">
+              <a:solidFill>
+                <a:schemeClr val="tx1"/>
+              </a:solidFill>
+            </a:endParaRPr>
+          </a:p>
+        </p:txBody>
+      </p:sp>
+      <p:cxnSp>
+        <p:nvCxnSpPr>
+          <p:cNvPr id="8" name="コネクタ: 曲線 7">
+            <a:extLst>
+              <a:ext uri="{FF2B5EF4-FFF2-40B4-BE49-F238E27FC236}">
+                <a16:creationId xmlns:a16="http://schemas.microsoft.com/office/drawing/2014/main" id="{F2A6670A-52AA-A2FB-864C-51085F61F0B8}"/>
+              </a:ext>
+            </a:extLst>
+          </p:cNvPr>
+          <p:cNvCxnSpPr>
+            <a:cxnSpLocks/>
+            <a:stCxn id="5" idx="2"/>
+          </p:cNvCxnSpPr>
+          <p:nvPr/>
+        </p:nvCxnSpPr>
+        <p:spPr>
+          <a:xfrm rot="5400000">
+            <a:off x="2766754" y="808732"/>
+            <a:ext cx="304800" cy="24179"/>
+          </a:xfrm>
+          <a:prstGeom prst="curvedConnector3">
+            <a:avLst>
+              <a:gd name="adj1" fmla="val 50000"/>
+            </a:avLst>
+          </a:prstGeom>
+          <a:ln w="76200">
+            <a:solidFill>
+              <a:schemeClr val="tx1"/>
+            </a:solidFill>
+            <a:tailEnd type="triangle"/>
+          </a:ln>
+        </p:spPr>
+        <p:style>
+          <a:lnRef idx="2">
+            <a:schemeClr val="accent1"/>
+          </a:lnRef>
+          <a:fillRef idx="0">
+            <a:schemeClr val="accent1"/>
+          </a:fillRef>
+          <a:effectRef idx="1">
+            <a:schemeClr val="accent1"/>
+          </a:effectRef>
+          <a:fontRef idx="minor">
+            <a:schemeClr val="tx1"/>
+          </a:fontRef>
+        </p:style>
+      </p:cxnSp>
+      <p:cxnSp>
+        <p:nvCxnSpPr>
+          <p:cNvPr id="9" name="コネクタ: 曲線 8">
+            <a:extLst>
+              <a:ext uri="{FF2B5EF4-FFF2-40B4-BE49-F238E27FC236}">
+                <a16:creationId xmlns:a16="http://schemas.microsoft.com/office/drawing/2014/main" id="{2725B181-D300-EEA2-EA7E-B1EAA384512E}"/>
+              </a:ext>
+            </a:extLst>
+          </p:cNvPr>
+          <p:cNvCxnSpPr>
+            <a:cxnSpLocks/>
+            <a:stCxn id="13" idx="2"/>
+            <a:endCxn id="14" idx="0"/>
+          </p:cNvCxnSpPr>
+          <p:nvPr/>
+        </p:nvCxnSpPr>
+        <p:spPr>
+          <a:xfrm rot="16200000" flipH="1">
+            <a:off x="2812404" y="1900467"/>
+            <a:ext cx="223736" cy="13941"/>
+          </a:xfrm>
+          <a:prstGeom prst="curvedConnector3">
+            <a:avLst/>
+          </a:prstGeom>
+          <a:ln w="76200">
+            <a:solidFill>
+              <a:schemeClr val="tx1"/>
+            </a:solidFill>
+            <a:tailEnd type="triangle"/>
+          </a:ln>
+        </p:spPr>
+        <p:style>
+          <a:lnRef idx="2">
+            <a:schemeClr val="accent1"/>
+          </a:lnRef>
+          <a:fillRef idx="0">
+            <a:schemeClr val="accent1"/>
+          </a:fillRef>
+          <a:effectRef idx="1">
+            <a:schemeClr val="accent1"/>
+          </a:effectRef>
+          <a:fontRef idx="minor">
+            <a:schemeClr val="tx1"/>
+          </a:fontRef>
+        </p:style>
+      </p:cxnSp>
+      <p:sp>
+        <p:nvSpPr>
+          <p:cNvPr id="10" name="フローチャート: 処理 9">
+            <a:extLst>
+              <a:ext uri="{FF2B5EF4-FFF2-40B4-BE49-F238E27FC236}">
+                <a16:creationId xmlns:a16="http://schemas.microsoft.com/office/drawing/2014/main" id="{C870E12B-2154-7D66-A9B6-8512A477B834}"/>
+              </a:ext>
+            </a:extLst>
+          </p:cNvPr>
+          <p:cNvSpPr/>
+          <p:nvPr/>
+        </p:nvSpPr>
+        <p:spPr>
+          <a:xfrm>
+            <a:off x="1728205" y="5155620"/>
+            <a:ext cx="2454442" cy="679969"/>
+          </a:xfrm>
+          <a:prstGeom prst="flowChartProcess">
+            <a:avLst/>
+          </a:prstGeom>
+          <a:solidFill>
+            <a:schemeClr val="tx2">
+              <a:lumMod val="25000"/>
+              <a:lumOff val="75000"/>
+            </a:schemeClr>
+          </a:solidFill>
+          <a:ln>
+            <a:solidFill>
+              <a:schemeClr val="tx1"/>
+            </a:solidFill>
+          </a:ln>
+        </p:spPr>
+        <p:style>
+          <a:lnRef idx="2">
+            <a:schemeClr val="accent1">
+              <a:shade val="15000"/>
+            </a:schemeClr>
+          </a:lnRef>
+          <a:fillRef idx="1">
+            <a:schemeClr val="accent1"/>
+          </a:fillRef>
+          <a:effectRef idx="0">
+            <a:schemeClr val="accent1"/>
+          </a:effectRef>
+          <a:fontRef idx="minor">
+            <a:schemeClr val="lt1"/>
+          </a:fontRef>
+        </p:style>
+        <p:txBody>
+          <a:bodyPr rtlCol="0" anchor="ctr"/>
+          <a:lstStyle/>
+          <a:p>
+            <a:pPr lvl="0" algn="ctr" eaLnBrk="0" fontAlgn="base" hangingPunct="0">
+              <a:spcBef>
+                <a:spcPct val="0"/>
+              </a:spcBef>
+              <a:spcAft>
+                <a:spcPct val="0"/>
+              </a:spcAft>
+            </a:pPr>
+            <a:r>
+              <a:rPr kumimoji="0" lang="en-US" altLang="ja-JP" sz="1600" dirty="0">
+                <a:solidFill>
+                  <a:schemeClr val="tx1"/>
+                </a:solidFill>
+                <a:latin typeface="Arial" panose="020B0604020202020204" pitchFamily="34" charset="0"/>
+              </a:rPr>
+              <a:t>Add n to the array </a:t>
+            </a:r>
+            <a:endParaRPr kumimoji="0" lang="ja-JP" altLang="ja-JP" sz="1600" b="0" i="0" u="none" strike="noStrike" cap="none" normalizeH="0" baseline="0" dirty="0">
+              <a:ln>
+                <a:noFill/>
+              </a:ln>
+              <a:solidFill>
+                <a:schemeClr val="tx1"/>
+              </a:solidFill>
+              <a:effectLst/>
+              <a:latin typeface="Arial" panose="020B0604020202020204" pitchFamily="34" charset="0"/>
+            </a:endParaRPr>
+          </a:p>
+        </p:txBody>
+      </p:sp>
+      <p:cxnSp>
+        <p:nvCxnSpPr>
+          <p:cNvPr id="11" name="コネクタ: 曲線 10">
+            <a:extLst>
+              <a:ext uri="{FF2B5EF4-FFF2-40B4-BE49-F238E27FC236}">
+                <a16:creationId xmlns:a16="http://schemas.microsoft.com/office/drawing/2014/main" id="{315C0CF5-37E1-B9F5-AC2D-5A16F6AA9012}"/>
+              </a:ext>
+            </a:extLst>
+          </p:cNvPr>
+          <p:cNvCxnSpPr>
+            <a:cxnSpLocks/>
+            <a:stCxn id="10" idx="2"/>
+            <a:endCxn id="7" idx="0"/>
+          </p:cNvCxnSpPr>
+          <p:nvPr/>
+        </p:nvCxnSpPr>
+        <p:spPr>
+          <a:xfrm rot="5400000">
+            <a:off x="2798124" y="5985767"/>
+            <a:ext cx="307481" cy="7125"/>
+          </a:xfrm>
+          <a:prstGeom prst="curvedConnector3">
+            <a:avLst>
+              <a:gd name="adj1" fmla="val 50000"/>
+            </a:avLst>
+          </a:prstGeom>
+          <a:ln w="76200">
+            <a:solidFill>
+              <a:schemeClr val="tx1"/>
+            </a:solidFill>
+            <a:tailEnd type="triangle"/>
+          </a:ln>
+        </p:spPr>
+        <p:style>
+          <a:lnRef idx="2">
+            <a:schemeClr val="accent1"/>
+          </a:lnRef>
+          <a:fillRef idx="0">
+            <a:schemeClr val="accent1"/>
+          </a:fillRef>
+          <a:effectRef idx="1">
+            <a:schemeClr val="accent1"/>
+          </a:effectRef>
+          <a:fontRef idx="minor">
+            <a:schemeClr val="tx1"/>
+          </a:fontRef>
+        </p:style>
+      </p:cxnSp>
+      <p:cxnSp>
+        <p:nvCxnSpPr>
+          <p:cNvPr id="12" name="コネクタ: 曲線 11">
+            <a:extLst>
+              <a:ext uri="{FF2B5EF4-FFF2-40B4-BE49-F238E27FC236}">
+                <a16:creationId xmlns:a16="http://schemas.microsoft.com/office/drawing/2014/main" id="{50EF462D-AFC9-3556-F11F-52D58634DC02}"/>
+              </a:ext>
+            </a:extLst>
+          </p:cNvPr>
+          <p:cNvCxnSpPr>
+            <a:cxnSpLocks/>
+            <a:stCxn id="14" idx="2"/>
+            <a:endCxn id="22" idx="0"/>
+          </p:cNvCxnSpPr>
+          <p:nvPr/>
+        </p:nvCxnSpPr>
+        <p:spPr>
+          <a:xfrm rot="16200000" flipH="1">
+            <a:off x="2806615" y="2810276"/>
+            <a:ext cx="283373" cy="34116"/>
+          </a:xfrm>
+          <a:prstGeom prst="curvedConnector3">
+            <a:avLst>
+              <a:gd name="adj1" fmla="val 50000"/>
+            </a:avLst>
+          </a:prstGeom>
+          <a:ln w="76200">
+            <a:solidFill>
+              <a:schemeClr val="tx1"/>
+            </a:solidFill>
+            <a:tailEnd type="triangle"/>
+          </a:ln>
+        </p:spPr>
+        <p:style>
+          <a:lnRef idx="2">
+            <a:schemeClr val="accent1"/>
+          </a:lnRef>
+          <a:fillRef idx="0">
+            <a:schemeClr val="accent1"/>
+          </a:fillRef>
+          <a:effectRef idx="1">
+            <a:schemeClr val="accent1"/>
+          </a:effectRef>
+          <a:fontRef idx="minor">
+            <a:schemeClr val="tx1"/>
+          </a:fontRef>
+        </p:style>
+      </p:cxnSp>
+      <p:sp>
+        <p:nvSpPr>
+          <p:cNvPr id="13" name="フローチャート: 判断 12">
+            <a:extLst>
+              <a:ext uri="{FF2B5EF4-FFF2-40B4-BE49-F238E27FC236}">
+                <a16:creationId xmlns:a16="http://schemas.microsoft.com/office/drawing/2014/main" id="{AA175EDB-ED40-8BB1-B9B4-C7A571AADD5B}"/>
+              </a:ext>
+            </a:extLst>
+          </p:cNvPr>
+          <p:cNvSpPr/>
+          <p:nvPr/>
+        </p:nvSpPr>
+        <p:spPr>
+          <a:xfrm>
+            <a:off x="1450626" y="885180"/>
+            <a:ext cx="2933351" cy="910390"/>
+          </a:xfrm>
+          <a:prstGeom prst="flowChartDecision">
+            <a:avLst/>
+          </a:prstGeom>
+          <a:solidFill>
+            <a:schemeClr val="tx2">
+              <a:lumMod val="25000"/>
+              <a:lumOff val="75000"/>
+            </a:schemeClr>
+          </a:solidFill>
+          <a:ln>
+            <a:solidFill>
+              <a:schemeClr val="tx1"/>
+            </a:solidFill>
+          </a:ln>
+        </p:spPr>
+        <p:style>
+          <a:lnRef idx="2">
+            <a:schemeClr val="accent1">
+              <a:shade val="15000"/>
+            </a:schemeClr>
+          </a:lnRef>
+          <a:fillRef idx="1">
+            <a:schemeClr val="accent1"/>
+          </a:fillRef>
+          <a:effectRef idx="0">
+            <a:schemeClr val="accent1"/>
+          </a:effectRef>
+          <a:fontRef idx="minor">
+            <a:schemeClr val="lt1"/>
+          </a:fontRef>
+        </p:style>
+        <p:txBody>
+          <a:bodyPr rtlCol="0" anchor="ctr"/>
+          <a:lstStyle/>
+          <a:p>
+            <a:pPr lvl="0" algn="ctr" eaLnBrk="0" fontAlgn="base" hangingPunct="0">
+              <a:spcBef>
+                <a:spcPct val="0"/>
+              </a:spcBef>
+              <a:spcAft>
+                <a:spcPct val="0"/>
+              </a:spcAft>
+            </a:pPr>
+            <a:r>
+              <a:rPr kumimoji="0" lang="en-US" altLang="ja-JP" sz="1050" b="1" i="0" u="none" strike="noStrike" cap="none" normalizeH="0" baseline="0" dirty="0">
+                <a:ln>
+                  <a:noFill/>
+                </a:ln>
+                <a:solidFill>
+                  <a:schemeClr val="tx1"/>
+                </a:solidFill>
+                <a:effectLst/>
+                <a:latin typeface="Arial" panose="020B0604020202020204" pitchFamily="34" charset="0"/>
+              </a:rPr>
+              <a:t>The summed value is zero</a:t>
+            </a:r>
+            <a:endParaRPr kumimoji="0" lang="ja-JP" altLang="ja-JP" sz="1050" b="1" i="0" u="none" strike="noStrike" cap="none" normalizeH="0" baseline="0" dirty="0">
+              <a:ln>
+                <a:noFill/>
+              </a:ln>
+              <a:solidFill>
+                <a:schemeClr val="tx1"/>
+              </a:solidFill>
+              <a:effectLst/>
+              <a:latin typeface="Arial" panose="020B0604020202020204" pitchFamily="34" charset="0"/>
+            </a:endParaRPr>
+          </a:p>
+        </p:txBody>
+      </p:sp>
+      <p:sp>
+        <p:nvSpPr>
+          <p:cNvPr id="14" name="フローチャート: 処理 13">
+            <a:extLst>
+              <a:ext uri="{FF2B5EF4-FFF2-40B4-BE49-F238E27FC236}">
+                <a16:creationId xmlns:a16="http://schemas.microsoft.com/office/drawing/2014/main" id="{34340A53-B983-08DF-8A6E-047B88122965}"/>
+              </a:ext>
+            </a:extLst>
+          </p:cNvPr>
+          <p:cNvSpPr/>
+          <p:nvPr/>
+        </p:nvSpPr>
+        <p:spPr>
+          <a:xfrm>
+            <a:off x="1712163" y="2019306"/>
+            <a:ext cx="2438159" cy="666342"/>
+          </a:xfrm>
+          <a:prstGeom prst="flowChartProcess">
+            <a:avLst/>
+          </a:prstGeom>
+          <a:solidFill>
+            <a:schemeClr val="tx2">
+              <a:lumMod val="25000"/>
+              <a:lumOff val="75000"/>
+            </a:schemeClr>
+          </a:solidFill>
+          <a:ln>
+            <a:solidFill>
+              <a:schemeClr val="tx1"/>
+            </a:solidFill>
+          </a:ln>
+        </p:spPr>
+        <p:style>
+          <a:lnRef idx="2">
+            <a:schemeClr val="accent1">
+              <a:shade val="15000"/>
+            </a:schemeClr>
+          </a:lnRef>
+          <a:fillRef idx="1">
+            <a:schemeClr val="accent1"/>
+          </a:fillRef>
+          <a:effectRef idx="0">
+            <a:schemeClr val="accent1"/>
+          </a:effectRef>
+          <a:fontRef idx="minor">
+            <a:schemeClr val="lt1"/>
+          </a:fontRef>
+        </p:style>
+        <p:txBody>
+          <a:bodyPr rtlCol="0" anchor="ctr"/>
+          <a:lstStyle/>
+          <a:p>
+            <a:pPr eaLnBrk="0" fontAlgn="base" hangingPunct="0">
+              <a:spcBef>
+                <a:spcPct val="0"/>
+              </a:spcBef>
+              <a:spcAft>
+                <a:spcPct val="0"/>
+              </a:spcAft>
+            </a:pPr>
+            <a:r>
+              <a:rPr kumimoji="0" lang="en-US" altLang="ja-JP" dirty="0">
+                <a:solidFill>
+                  <a:schemeClr val="tx1"/>
+                </a:solidFill>
+                <a:latin typeface="Arial" panose="020B0604020202020204" pitchFamily="34" charset="0"/>
+              </a:rPr>
+              <a:t>Starting from n = 15 down to 0</a:t>
+            </a:r>
+            <a:endParaRPr kumimoji="0" lang="ja-JP" altLang="ja-JP" dirty="0">
+              <a:solidFill>
+                <a:schemeClr val="tx1"/>
+              </a:solidFill>
+              <a:latin typeface="Arial" panose="020B0604020202020204" pitchFamily="34" charset="0"/>
+            </a:endParaRPr>
+          </a:p>
+        </p:txBody>
+      </p:sp>
+      <p:sp>
+        <p:nvSpPr>
+          <p:cNvPr id="17" name="テキスト ボックス 16">
+            <a:extLst>
+              <a:ext uri="{FF2B5EF4-FFF2-40B4-BE49-F238E27FC236}">
+                <a16:creationId xmlns:a16="http://schemas.microsoft.com/office/drawing/2014/main" id="{6749D95A-2D6D-EBBD-A920-100C164E88E1}"/>
+              </a:ext>
+            </a:extLst>
+          </p:cNvPr>
+          <p:cNvSpPr txBox="1"/>
+          <p:nvPr/>
+        </p:nvSpPr>
+        <p:spPr>
+          <a:xfrm>
+            <a:off x="4166364" y="2131114"/>
+            <a:ext cx="315900" cy="369332"/>
+          </a:xfrm>
+          <a:prstGeom prst="rect">
+            <a:avLst/>
+          </a:prstGeom>
+          <a:noFill/>
+        </p:spPr>
+        <p:txBody>
+          <a:bodyPr wrap="square" rtlCol="0">
+            <a:spAutoFit/>
+          </a:bodyPr>
+          <a:lstStyle/>
+          <a:p>
+            <a:r>
+              <a:rPr lang="en-US" altLang="ja-JP" b="1" dirty="0"/>
+              <a:t>N</a:t>
+            </a:r>
+            <a:endParaRPr kumimoji="1" lang="ja-JP" altLang="en-US" b="1" dirty="0"/>
+          </a:p>
+        </p:txBody>
+      </p:sp>
+      <p:sp>
+        <p:nvSpPr>
+          <p:cNvPr id="18" name="テキスト ボックス 17">
+            <a:extLst>
+              <a:ext uri="{FF2B5EF4-FFF2-40B4-BE49-F238E27FC236}">
+                <a16:creationId xmlns:a16="http://schemas.microsoft.com/office/drawing/2014/main" id="{EF29DF22-3F9A-DED0-DA4F-EDF8C738AC1F}"/>
+              </a:ext>
+            </a:extLst>
+          </p:cNvPr>
+          <p:cNvSpPr txBox="1"/>
+          <p:nvPr/>
+        </p:nvSpPr>
+        <p:spPr>
+          <a:xfrm>
+            <a:off x="1328894" y="944479"/>
+            <a:ext cx="360925" cy="369332"/>
+          </a:xfrm>
+          <a:prstGeom prst="rect">
+            <a:avLst/>
+          </a:prstGeom>
+          <a:noFill/>
+        </p:spPr>
+        <p:txBody>
+          <a:bodyPr wrap="square" rtlCol="0">
+            <a:spAutoFit/>
+          </a:bodyPr>
+          <a:lstStyle/>
+          <a:p>
+            <a:r>
+              <a:rPr kumimoji="1" lang="en-US" altLang="ja-JP" b="1" dirty="0"/>
+              <a:t>Y</a:t>
+            </a:r>
+            <a:endParaRPr kumimoji="1" lang="ja-JP" altLang="en-US" b="1" dirty="0"/>
+          </a:p>
+        </p:txBody>
+      </p:sp>
+      <p:cxnSp>
+        <p:nvCxnSpPr>
+          <p:cNvPr id="19" name="コネクタ: 曲線 18">
+            <a:extLst>
+              <a:ext uri="{FF2B5EF4-FFF2-40B4-BE49-F238E27FC236}">
+                <a16:creationId xmlns:a16="http://schemas.microsoft.com/office/drawing/2014/main" id="{73C832E5-330A-BECD-A6F4-97C19EC65469}"/>
+              </a:ext>
+            </a:extLst>
+          </p:cNvPr>
+          <p:cNvCxnSpPr>
+            <a:cxnSpLocks/>
+            <a:stCxn id="22" idx="2"/>
+            <a:endCxn id="29" idx="0"/>
+          </p:cNvCxnSpPr>
+          <p:nvPr/>
+        </p:nvCxnSpPr>
+        <p:spPr>
+          <a:xfrm rot="5400000">
+            <a:off x="2806653" y="4028185"/>
+            <a:ext cx="307481" cy="9932"/>
+          </a:xfrm>
+          <a:prstGeom prst="curvedConnector3">
+            <a:avLst>
+              <a:gd name="adj1" fmla="val 50000"/>
+            </a:avLst>
+          </a:prstGeom>
+          <a:ln w="76200">
+            <a:solidFill>
+              <a:schemeClr val="tx1"/>
+            </a:solidFill>
+            <a:tailEnd type="triangle"/>
+          </a:ln>
+        </p:spPr>
+        <p:style>
+          <a:lnRef idx="2">
+            <a:schemeClr val="accent1"/>
+          </a:lnRef>
+          <a:fillRef idx="0">
+            <a:schemeClr val="accent1"/>
+          </a:fillRef>
+          <a:effectRef idx="1">
+            <a:schemeClr val="accent1"/>
+          </a:effectRef>
+          <a:fontRef idx="minor">
+            <a:schemeClr val="tx1"/>
+          </a:fontRef>
+        </p:style>
+      </p:cxnSp>
+      <p:sp>
+        <p:nvSpPr>
+          <p:cNvPr id="22" name="フローチャート: 判断 21">
+            <a:extLst>
+              <a:ext uri="{FF2B5EF4-FFF2-40B4-BE49-F238E27FC236}">
+                <a16:creationId xmlns:a16="http://schemas.microsoft.com/office/drawing/2014/main" id="{96E6448B-1E8F-9482-38E7-79E920E815CE}"/>
+              </a:ext>
+            </a:extLst>
+          </p:cNvPr>
+          <p:cNvSpPr/>
+          <p:nvPr/>
+        </p:nvSpPr>
+        <p:spPr>
+          <a:xfrm>
+            <a:off x="1498683" y="2969021"/>
+            <a:ext cx="2933351" cy="910390"/>
+          </a:xfrm>
+          <a:prstGeom prst="flowChartDecision">
+            <a:avLst/>
+          </a:prstGeom>
+          <a:solidFill>
+            <a:schemeClr val="tx2">
+              <a:lumMod val="25000"/>
+              <a:lumOff val="75000"/>
+            </a:schemeClr>
+          </a:solidFill>
+          <a:ln>
+            <a:solidFill>
+              <a:schemeClr val="tx1"/>
+            </a:solidFill>
+          </a:ln>
+        </p:spPr>
+        <p:style>
+          <a:lnRef idx="2">
+            <a:schemeClr val="accent1">
+              <a:shade val="15000"/>
+            </a:schemeClr>
+          </a:lnRef>
+          <a:fillRef idx="1">
+            <a:schemeClr val="accent1"/>
+          </a:fillRef>
+          <a:effectRef idx="0">
+            <a:schemeClr val="accent1"/>
+          </a:effectRef>
+          <a:fontRef idx="minor">
+            <a:schemeClr val="lt1"/>
+          </a:fontRef>
+        </p:style>
+        <p:txBody>
+          <a:bodyPr rtlCol="0" anchor="ctr"/>
+          <a:lstStyle/>
+          <a:p>
+            <a:pPr lvl="0" algn="ctr" eaLnBrk="0" fontAlgn="base" hangingPunct="0">
+              <a:spcBef>
+                <a:spcPct val="0"/>
+              </a:spcBef>
+              <a:spcAft>
+                <a:spcPct val="0"/>
+              </a:spcAft>
+            </a:pPr>
+            <a:r>
+              <a:rPr kumimoji="0" lang="en-US" altLang="ja-JP" sz="1200" b="1" i="0" u="none" strike="noStrike" cap="none" normalizeH="0" baseline="0" dirty="0">
+                <a:ln>
+                  <a:noFill/>
+                </a:ln>
+                <a:solidFill>
+                  <a:schemeClr val="tx1"/>
+                </a:solidFill>
+                <a:effectLst/>
+                <a:latin typeface="Arial" panose="020B0604020202020204" pitchFamily="34" charset="0"/>
+              </a:rPr>
+              <a:t>2^n </a:t>
+            </a:r>
+            <a:r>
+              <a:rPr kumimoji="0" lang="en-US" altLang="ja-JP" sz="1200" b="1" dirty="0">
+                <a:solidFill>
+                  <a:schemeClr val="tx1"/>
+                </a:solidFill>
+                <a:latin typeface="Arial" panose="020B0604020202020204" pitchFamily="34" charset="0"/>
+              </a:rPr>
+              <a:t>&lt;= summed value</a:t>
+            </a:r>
+            <a:endParaRPr kumimoji="0" lang="ja-JP" altLang="ja-JP" sz="1200" b="1" i="0" u="none" strike="noStrike" cap="none" normalizeH="0" baseline="0" dirty="0">
+              <a:ln>
+                <a:noFill/>
+              </a:ln>
+              <a:solidFill>
+                <a:schemeClr val="tx1"/>
+              </a:solidFill>
+              <a:effectLst/>
+              <a:latin typeface="Arial" panose="020B0604020202020204" pitchFamily="34" charset="0"/>
+            </a:endParaRPr>
+          </a:p>
+        </p:txBody>
+      </p:sp>
+      <p:sp>
+        <p:nvSpPr>
+          <p:cNvPr id="29" name="フローチャート: 処理 28">
+            <a:extLst>
+              <a:ext uri="{FF2B5EF4-FFF2-40B4-BE49-F238E27FC236}">
+                <a16:creationId xmlns:a16="http://schemas.microsoft.com/office/drawing/2014/main" id="{7BBBE888-5EE0-03B3-04BA-104E75499BEA}"/>
+              </a:ext>
+            </a:extLst>
+          </p:cNvPr>
+          <p:cNvSpPr/>
+          <p:nvPr/>
+        </p:nvSpPr>
+        <p:spPr>
+          <a:xfrm>
+            <a:off x="1728206" y="4186892"/>
+            <a:ext cx="2454442" cy="679969"/>
+          </a:xfrm>
+          <a:prstGeom prst="flowChartProcess">
+            <a:avLst/>
+          </a:prstGeom>
+          <a:solidFill>
+            <a:schemeClr val="tx2">
+              <a:lumMod val="25000"/>
+              <a:lumOff val="75000"/>
+            </a:schemeClr>
+          </a:solidFill>
+          <a:ln>
+            <a:solidFill>
+              <a:schemeClr val="tx1"/>
+            </a:solidFill>
+          </a:ln>
+        </p:spPr>
+        <p:style>
+          <a:lnRef idx="2">
+            <a:schemeClr val="accent1">
+              <a:shade val="15000"/>
+            </a:schemeClr>
+          </a:lnRef>
+          <a:fillRef idx="1">
+            <a:schemeClr val="accent1"/>
+          </a:fillRef>
+          <a:effectRef idx="0">
+            <a:schemeClr val="accent1"/>
+          </a:effectRef>
+          <a:fontRef idx="minor">
+            <a:schemeClr val="lt1"/>
+          </a:fontRef>
+        </p:style>
+        <p:txBody>
+          <a:bodyPr rtlCol="0" anchor="ctr"/>
+          <a:lstStyle/>
+          <a:p>
+            <a:pPr eaLnBrk="0" fontAlgn="base" hangingPunct="0">
+              <a:spcBef>
+                <a:spcPct val="0"/>
+              </a:spcBef>
+              <a:spcAft>
+                <a:spcPct val="0"/>
+              </a:spcAft>
+            </a:pPr>
+            <a:r>
+              <a:rPr kumimoji="0" lang="en-US" altLang="ja-JP" dirty="0">
+                <a:solidFill>
+                  <a:schemeClr val="tx1"/>
+                </a:solidFill>
+                <a:latin typeface="Arial" panose="020B0604020202020204" pitchFamily="34" charset="0"/>
+              </a:rPr>
+              <a:t>Subtract 2^n from the summed value</a:t>
+            </a:r>
+            <a:endParaRPr kumimoji="0" lang="ja-JP" altLang="ja-JP" dirty="0">
+              <a:solidFill>
+                <a:schemeClr val="tx1"/>
+              </a:solidFill>
+              <a:latin typeface="Arial" panose="020B0604020202020204" pitchFamily="34" charset="0"/>
+            </a:endParaRPr>
+          </a:p>
+        </p:txBody>
+      </p:sp>
+      <p:cxnSp>
+        <p:nvCxnSpPr>
+          <p:cNvPr id="37" name="コネクタ: 曲線 36">
+            <a:extLst>
+              <a:ext uri="{FF2B5EF4-FFF2-40B4-BE49-F238E27FC236}">
+                <a16:creationId xmlns:a16="http://schemas.microsoft.com/office/drawing/2014/main" id="{BE23DD15-97D9-04D5-0BBC-ADDCF1EFACBD}"/>
+              </a:ext>
+            </a:extLst>
+          </p:cNvPr>
+          <p:cNvCxnSpPr>
+            <a:cxnSpLocks/>
+            <a:stCxn id="29" idx="2"/>
+            <a:endCxn id="10" idx="0"/>
+          </p:cNvCxnSpPr>
+          <p:nvPr/>
+        </p:nvCxnSpPr>
+        <p:spPr>
+          <a:xfrm rot="5400000">
+            <a:off x="2811048" y="5011240"/>
+            <a:ext cx="288759" cy="1"/>
+          </a:xfrm>
+          <a:prstGeom prst="curvedConnector3">
+            <a:avLst>
+              <a:gd name="adj1" fmla="val 50000"/>
+            </a:avLst>
+          </a:prstGeom>
+          <a:ln w="76200">
+            <a:solidFill>
+              <a:schemeClr val="tx1"/>
+            </a:solidFill>
+            <a:tailEnd type="triangle"/>
+          </a:ln>
+        </p:spPr>
+        <p:style>
+          <a:lnRef idx="2">
+            <a:schemeClr val="accent1"/>
+          </a:lnRef>
+          <a:fillRef idx="0">
+            <a:schemeClr val="accent1"/>
+          </a:fillRef>
+          <a:effectRef idx="1">
+            <a:schemeClr val="accent1"/>
+          </a:effectRef>
+          <a:fontRef idx="minor">
+            <a:schemeClr val="tx1"/>
+          </a:fontRef>
+        </p:style>
+      </p:cxnSp>
+      <p:cxnSp>
+        <p:nvCxnSpPr>
+          <p:cNvPr id="48" name="コネクタ: 曲線 47">
+            <a:extLst>
+              <a:ext uri="{FF2B5EF4-FFF2-40B4-BE49-F238E27FC236}">
+                <a16:creationId xmlns:a16="http://schemas.microsoft.com/office/drawing/2014/main" id="{B98461E7-749E-54A9-A176-7774668EC35A}"/>
+              </a:ext>
+            </a:extLst>
+          </p:cNvPr>
+          <p:cNvCxnSpPr>
+            <a:cxnSpLocks/>
+            <a:stCxn id="13" idx="1"/>
+            <a:endCxn id="7" idx="1"/>
+          </p:cNvCxnSpPr>
+          <p:nvPr/>
+        </p:nvCxnSpPr>
+        <p:spPr>
+          <a:xfrm rot="10800000" flipH="1" flipV="1">
+            <a:off x="1450626" y="1340375"/>
+            <a:ext cx="270454" cy="5050630"/>
+          </a:xfrm>
+          <a:prstGeom prst="curvedConnector3">
+            <a:avLst>
+              <a:gd name="adj1" fmla="val -84525"/>
+            </a:avLst>
+          </a:prstGeom>
+          <a:ln w="76200">
+            <a:solidFill>
+              <a:schemeClr val="tx1"/>
+            </a:solidFill>
+            <a:tailEnd type="triangle"/>
+          </a:ln>
+        </p:spPr>
+        <p:style>
+          <a:lnRef idx="2">
+            <a:schemeClr val="accent1"/>
+          </a:lnRef>
+          <a:fillRef idx="0">
+            <a:schemeClr val="accent1"/>
+          </a:fillRef>
+          <a:effectRef idx="1">
+            <a:schemeClr val="accent1"/>
+          </a:effectRef>
+          <a:fontRef idx="minor">
+            <a:schemeClr val="tx1"/>
+          </a:fontRef>
+        </p:style>
+      </p:cxnSp>
+      <p:cxnSp>
+        <p:nvCxnSpPr>
+          <p:cNvPr id="51" name="コネクタ: 曲線 50">
+            <a:extLst>
+              <a:ext uri="{FF2B5EF4-FFF2-40B4-BE49-F238E27FC236}">
+                <a16:creationId xmlns:a16="http://schemas.microsoft.com/office/drawing/2014/main" id="{23BB22CD-9E5A-E72B-6070-DCF21113CD49}"/>
+              </a:ext>
+            </a:extLst>
+          </p:cNvPr>
+          <p:cNvCxnSpPr>
+            <a:cxnSpLocks/>
+            <a:stCxn id="22" idx="3"/>
+            <a:endCxn id="13" idx="3"/>
+          </p:cNvCxnSpPr>
+          <p:nvPr/>
+        </p:nvCxnSpPr>
+        <p:spPr>
+          <a:xfrm flipH="1" flipV="1">
+            <a:off x="4383977" y="1340375"/>
+            <a:ext cx="48057" cy="2083841"/>
+          </a:xfrm>
+          <a:prstGeom prst="curvedConnector3">
+            <a:avLst>
+              <a:gd name="adj1" fmla="val -475685"/>
+            </a:avLst>
+          </a:prstGeom>
+          <a:ln w="76200">
+            <a:solidFill>
+              <a:schemeClr val="tx1"/>
+            </a:solidFill>
+            <a:tailEnd type="triangle"/>
+          </a:ln>
+        </p:spPr>
+        <p:style>
+          <a:lnRef idx="2">
+            <a:schemeClr val="accent1"/>
+          </a:lnRef>
+          <a:fillRef idx="0">
+            <a:schemeClr val="accent1"/>
+          </a:fillRef>
+          <a:effectRef idx="1">
+            <a:schemeClr val="accent1"/>
+          </a:effectRef>
+          <a:fontRef idx="minor">
+            <a:schemeClr val="tx1"/>
+          </a:fontRef>
+        </p:style>
+      </p:cxnSp>
+      <p:cxnSp>
+        <p:nvCxnSpPr>
+          <p:cNvPr id="55" name="コネクタ: 曲線 54">
+            <a:extLst>
+              <a:ext uri="{FF2B5EF4-FFF2-40B4-BE49-F238E27FC236}">
+                <a16:creationId xmlns:a16="http://schemas.microsoft.com/office/drawing/2014/main" id="{F63BF8BA-4678-71BE-5F13-60968707F602}"/>
+              </a:ext>
+            </a:extLst>
+          </p:cNvPr>
+          <p:cNvCxnSpPr>
+            <a:cxnSpLocks/>
+            <a:stCxn id="10" idx="3"/>
+            <a:endCxn id="13" idx="3"/>
+          </p:cNvCxnSpPr>
+          <p:nvPr/>
+        </p:nvCxnSpPr>
+        <p:spPr>
+          <a:xfrm flipV="1">
+            <a:off x="4182647" y="1340375"/>
+            <a:ext cx="201330" cy="4155230"/>
+          </a:xfrm>
+          <a:prstGeom prst="curvedConnector3">
+            <a:avLst>
+              <a:gd name="adj1" fmla="val 261353"/>
+            </a:avLst>
+          </a:prstGeom>
+          <a:ln w="76200">
+            <a:solidFill>
+              <a:schemeClr val="tx1"/>
+            </a:solidFill>
+            <a:tailEnd type="triangle"/>
+          </a:ln>
+        </p:spPr>
+        <p:style>
+          <a:lnRef idx="2">
+            <a:schemeClr val="accent1"/>
+          </a:lnRef>
+          <a:fillRef idx="0">
+            <a:schemeClr val="accent1"/>
+          </a:fillRef>
+          <a:effectRef idx="1">
+            <a:schemeClr val="accent1"/>
+          </a:effectRef>
+          <a:fontRef idx="minor">
+            <a:schemeClr val="tx1"/>
+          </a:fontRef>
+        </p:style>
+      </p:cxnSp>
+      <p:sp>
+        <p:nvSpPr>
+          <p:cNvPr id="70" name="テキスト ボックス 69">
+            <a:extLst>
+              <a:ext uri="{FF2B5EF4-FFF2-40B4-BE49-F238E27FC236}">
+                <a16:creationId xmlns:a16="http://schemas.microsoft.com/office/drawing/2014/main" id="{AB874F14-F338-9EDB-7E96-EF91948DA54A}"/>
+              </a:ext>
+            </a:extLst>
+          </p:cNvPr>
+          <p:cNvSpPr txBox="1"/>
+          <p:nvPr/>
+        </p:nvSpPr>
+        <p:spPr>
+          <a:xfrm>
+            <a:off x="2362282" y="3817560"/>
+            <a:ext cx="360925" cy="369332"/>
+          </a:xfrm>
+          <a:prstGeom prst="rect">
+            <a:avLst/>
+          </a:prstGeom>
+          <a:noFill/>
+        </p:spPr>
+        <p:txBody>
+          <a:bodyPr wrap="square" rtlCol="0">
+            <a:spAutoFit/>
+          </a:bodyPr>
+          <a:lstStyle/>
+          <a:p>
+            <a:r>
+              <a:rPr kumimoji="1" lang="en-US" altLang="ja-JP" b="1" dirty="0"/>
+              <a:t>Y</a:t>
+            </a:r>
+            <a:endParaRPr kumimoji="1" lang="ja-JP" altLang="en-US" b="1" dirty="0"/>
+          </a:p>
+        </p:txBody>
+      </p:sp>
+      <p:sp>
+        <p:nvSpPr>
+          <p:cNvPr id="71" name="テキスト ボックス 70">
+            <a:extLst>
+              <a:ext uri="{FF2B5EF4-FFF2-40B4-BE49-F238E27FC236}">
+                <a16:creationId xmlns:a16="http://schemas.microsoft.com/office/drawing/2014/main" id="{413E9C9E-0A3F-03F5-A97C-96479C48430B}"/>
+              </a:ext>
+            </a:extLst>
+          </p:cNvPr>
+          <p:cNvSpPr txBox="1"/>
+          <p:nvPr/>
+        </p:nvSpPr>
+        <p:spPr>
+          <a:xfrm>
+            <a:off x="4222454" y="3639509"/>
+            <a:ext cx="315900" cy="369332"/>
+          </a:xfrm>
+          <a:prstGeom prst="rect">
+            <a:avLst/>
+          </a:prstGeom>
+          <a:noFill/>
+        </p:spPr>
+        <p:txBody>
+          <a:bodyPr wrap="square" rtlCol="0">
+            <a:spAutoFit/>
+          </a:bodyPr>
+          <a:lstStyle/>
+          <a:p>
+            <a:r>
+              <a:rPr lang="en-US" altLang="ja-JP" b="1" dirty="0"/>
+              <a:t>N</a:t>
+            </a:r>
+            <a:endParaRPr kumimoji="1" lang="ja-JP" altLang="en-US" b="1" dirty="0"/>
+          </a:p>
+        </p:txBody>
+      </p:sp>
+    </p:spTree>
+    <p:extLst>
+      <p:ext uri="{BB962C8B-B14F-4D97-AF65-F5344CB8AC3E}">
+        <p14:creationId xmlns:p14="http://schemas.microsoft.com/office/powerpoint/2010/main" val="276032062"/>
       </p:ext>
     </p:extLst>
   </p:cSld>

--- a/2025/Salvador/TDP/About Software/flowchart.pptx
+++ b/2025/Salvador/TDP/About Software/flowchart.pptx
@@ -117,14 +117,6 @@
 </p:presentation>
 </file>
 
-<file path=ppt/revisionInfo.xml><?xml version="1.0" encoding="utf-8"?>
-<p1510:revInfo xmlns:a="http://schemas.openxmlformats.org/drawingml/2006/main" xmlns:r="http://schemas.openxmlformats.org/officeDocument/2006/relationships" xmlns:p1510="http://schemas.microsoft.com/office/powerpoint/2015/10/main">
-  <p1510:revLst>
-    <p1510:client id="{AE1AA53B-05B4-4B43-9831-5D1DDA20F830}" v="5" dt="2025-07-08T08:29:36.057"/>
-  </p1510:revLst>
-</p1510:revInfo>
-</file>
-
 <file path=ppt/changesInfos/changesInfo1.xml><?xml version="1.0" encoding="utf-8"?>
 <pc:chgInfo xmlns:a="http://schemas.openxmlformats.org/drawingml/2006/main" xmlns:r="http://schemas.openxmlformats.org/officeDocument/2006/relationships" xmlns:ac="http://schemas.microsoft.com/office/drawing/2013/main/command" xmlns:pc="http://schemas.microsoft.com/office/powerpoint/2013/main/command">
   <pc:docChgLst>
@@ -199,6 +191,157 @@
             <pc:docMk/>
             <pc:sldMk cId="1171529384" sldId="259"/>
             <ac:picMk id="40" creationId="{6E35FBF2-DA04-6589-26BD-E717DB451860}"/>
+          </ac:picMkLst>
+        </pc:picChg>
+      </pc:sldChg>
+    </pc:docChg>
+  </pc:docChgLst>
+  <pc:docChgLst>
+    <pc:chgData name="こうき すえひろ" userId="b0e17d1764f68991" providerId="LiveId" clId="{9054634E-719F-4FB6-8A80-BBD0DAE7A527}"/>
+    <pc:docChg chg="custSel modSld">
+      <pc:chgData name="こうき すえひろ" userId="b0e17d1764f68991" providerId="LiveId" clId="{9054634E-719F-4FB6-8A80-BBD0DAE7A527}" dt="2025-07-09T09:13:35.515" v="23" actId="1076"/>
+      <pc:docMkLst>
+        <pc:docMk/>
+      </pc:docMkLst>
+      <pc:sldChg chg="addSp delSp modSp mod">
+        <pc:chgData name="こうき すえひろ" userId="b0e17d1764f68991" providerId="LiveId" clId="{9054634E-719F-4FB6-8A80-BBD0DAE7A527}" dt="2025-07-09T09:11:48.556" v="17" actId="1076"/>
+        <pc:sldMkLst>
+          <pc:docMk/>
+          <pc:sldMk cId="4240672243" sldId="256"/>
+        </pc:sldMkLst>
+        <pc:spChg chg="mod">
+          <ac:chgData name="こうき すえひろ" userId="b0e17d1764f68991" providerId="LiveId" clId="{9054634E-719F-4FB6-8A80-BBD0DAE7A527}" dt="2025-07-09T09:10:13.970" v="10" actId="1076"/>
+          <ac:spMkLst>
+            <pc:docMk/>
+            <pc:sldMk cId="4240672243" sldId="256"/>
+            <ac:spMk id="5" creationId="{BA033567-10CB-89C1-8B93-50BD67DA32CC}"/>
+          </ac:spMkLst>
+        </pc:spChg>
+        <pc:spChg chg="mod">
+          <ac:chgData name="こうき すえひろ" userId="b0e17d1764f68991" providerId="LiveId" clId="{9054634E-719F-4FB6-8A80-BBD0DAE7A527}" dt="2025-07-09T09:10:13.970" v="10" actId="1076"/>
+          <ac:spMkLst>
+            <pc:docMk/>
+            <pc:sldMk cId="4240672243" sldId="256"/>
+            <ac:spMk id="6" creationId="{25896790-999A-5C68-48C6-598751887745}"/>
+          </ac:spMkLst>
+        </pc:spChg>
+        <pc:spChg chg="mod">
+          <ac:chgData name="こうき すえひろ" userId="b0e17d1764f68991" providerId="LiveId" clId="{9054634E-719F-4FB6-8A80-BBD0DAE7A527}" dt="2025-07-09T09:10:13.970" v="10" actId="1076"/>
+          <ac:spMkLst>
+            <pc:docMk/>
+            <pc:sldMk cId="4240672243" sldId="256"/>
+            <ac:spMk id="9" creationId="{067A2892-C98E-058E-7E8A-4C63A8D9EE57}"/>
+          </ac:spMkLst>
+        </pc:spChg>
+        <pc:spChg chg="mod">
+          <ac:chgData name="こうき すえひろ" userId="b0e17d1764f68991" providerId="LiveId" clId="{9054634E-719F-4FB6-8A80-BBD0DAE7A527}" dt="2025-07-09T09:10:13.970" v="10" actId="1076"/>
+          <ac:spMkLst>
+            <pc:docMk/>
+            <pc:sldMk cId="4240672243" sldId="256"/>
+            <ac:spMk id="10" creationId="{EF96DF10-359C-ED89-824E-D9AAFA1F19D7}"/>
+          </ac:spMkLst>
+        </pc:spChg>
+        <pc:picChg chg="add del mod">
+          <ac:chgData name="こうき すえひろ" userId="b0e17d1764f68991" providerId="LiveId" clId="{9054634E-719F-4FB6-8A80-BBD0DAE7A527}" dt="2025-07-09T09:09:29.865" v="5" actId="478"/>
+          <ac:picMkLst>
+            <pc:docMk/>
+            <pc:sldMk cId="4240672243" sldId="256"/>
+            <ac:picMk id="3" creationId="{6B3C4FD7-2DFA-502D-D602-565EF698B0CC}"/>
+          </ac:picMkLst>
+        </pc:picChg>
+        <pc:picChg chg="add del mod">
+          <ac:chgData name="こうき すえひろ" userId="b0e17d1764f68991" providerId="LiveId" clId="{9054634E-719F-4FB6-8A80-BBD0DAE7A527}" dt="2025-07-09T09:10:06.565" v="8" actId="478"/>
+          <ac:picMkLst>
+            <pc:docMk/>
+            <pc:sldMk cId="4240672243" sldId="256"/>
+            <ac:picMk id="7" creationId="{D40488EF-7356-2401-B74F-982B6D224C85}"/>
+          </ac:picMkLst>
+        </pc:picChg>
+        <pc:picChg chg="add mod modCrop">
+          <ac:chgData name="こうき すえひろ" userId="b0e17d1764f68991" providerId="LiveId" clId="{9054634E-719F-4FB6-8A80-BBD0DAE7A527}" dt="2025-07-09T09:10:55.403" v="15" actId="1076"/>
+          <ac:picMkLst>
+            <pc:docMk/>
+            <pc:sldMk cId="4240672243" sldId="256"/>
+            <ac:picMk id="11" creationId="{7B0264EE-037A-E550-13C9-4E73ACFCCC24}"/>
+          </ac:picMkLst>
+        </pc:picChg>
+        <pc:picChg chg="add mod">
+          <ac:chgData name="こうき すえひろ" userId="b0e17d1764f68991" providerId="LiveId" clId="{9054634E-719F-4FB6-8A80-BBD0DAE7A527}" dt="2025-07-09T09:11:48.556" v="17" actId="1076"/>
+          <ac:picMkLst>
+            <pc:docMk/>
+            <pc:sldMk cId="4240672243" sldId="256"/>
+            <ac:picMk id="14" creationId="{EFAD9EAD-FE83-7181-12B6-2C77AFFF341B}"/>
+          </ac:picMkLst>
+        </pc:picChg>
+        <pc:picChg chg="mod">
+          <ac:chgData name="こうき すえひろ" userId="b0e17d1764f68991" providerId="LiveId" clId="{9054634E-719F-4FB6-8A80-BBD0DAE7A527}" dt="2025-07-09T09:10:08.480" v="9" actId="1076"/>
+          <ac:picMkLst>
+            <pc:docMk/>
+            <pc:sldMk cId="4240672243" sldId="256"/>
+            <ac:picMk id="63" creationId="{94A504B0-4FE1-EDE6-A221-B9AB013F97A6}"/>
+          </ac:picMkLst>
+        </pc:picChg>
+        <pc:cxnChg chg="mod">
+          <ac:chgData name="こうき すえひろ" userId="b0e17d1764f68991" providerId="LiveId" clId="{9054634E-719F-4FB6-8A80-BBD0DAE7A527}" dt="2025-07-09T09:10:13.970" v="10" actId="1076"/>
+          <ac:cxnSpMkLst>
+            <pc:docMk/>
+            <pc:sldMk cId="4240672243" sldId="256"/>
+            <ac:cxnSpMk id="12" creationId="{D1497ED8-2DB4-014E-12B0-412C86B22E33}"/>
+          </ac:cxnSpMkLst>
+        </pc:cxnChg>
+        <pc:cxnChg chg="mod">
+          <ac:chgData name="こうき すえひろ" userId="b0e17d1764f68991" providerId="LiveId" clId="{9054634E-719F-4FB6-8A80-BBD0DAE7A527}" dt="2025-07-09T09:10:13.970" v="10" actId="1076"/>
+          <ac:cxnSpMkLst>
+            <pc:docMk/>
+            <pc:sldMk cId="4240672243" sldId="256"/>
+            <ac:cxnSpMk id="16" creationId="{DA393BF1-4691-2E4F-3332-37EC1101DF60}"/>
+          </ac:cxnSpMkLst>
+        </pc:cxnChg>
+        <pc:cxnChg chg="mod">
+          <ac:chgData name="こうき すえひろ" userId="b0e17d1764f68991" providerId="LiveId" clId="{9054634E-719F-4FB6-8A80-BBD0DAE7A527}" dt="2025-07-09T09:10:13.970" v="10" actId="1076"/>
+          <ac:cxnSpMkLst>
+            <pc:docMk/>
+            <pc:sldMk cId="4240672243" sldId="256"/>
+            <ac:cxnSpMk id="19" creationId="{96FE734A-B387-42B8-7966-629458F01A85}"/>
+          </ac:cxnSpMkLst>
+        </pc:cxnChg>
+        <pc:cxnChg chg="mod">
+          <ac:chgData name="こうき すえひろ" userId="b0e17d1764f68991" providerId="LiveId" clId="{9054634E-719F-4FB6-8A80-BBD0DAE7A527}" dt="2025-07-09T09:10:13.970" v="10" actId="1076"/>
+          <ac:cxnSpMkLst>
+            <pc:docMk/>
+            <pc:sldMk cId="4240672243" sldId="256"/>
+            <ac:cxnSpMk id="51" creationId="{684DAF54-0845-E092-B432-A009668F1971}"/>
+          </ac:cxnSpMkLst>
+        </pc:cxnChg>
+      </pc:sldChg>
+      <pc:sldChg chg="addSp modSp mod">
+        <pc:chgData name="こうき すえひろ" userId="b0e17d1764f68991" providerId="LiveId" clId="{9054634E-719F-4FB6-8A80-BBD0DAE7A527}" dt="2025-07-09T09:13:35.515" v="23" actId="1076"/>
+        <pc:sldMkLst>
+          <pc:docMk/>
+          <pc:sldMk cId="3670751207" sldId="257"/>
+        </pc:sldMkLst>
+        <pc:picChg chg="add mod">
+          <ac:chgData name="こうき すえひろ" userId="b0e17d1764f68991" providerId="LiveId" clId="{9054634E-719F-4FB6-8A80-BBD0DAE7A527}" dt="2025-07-09T09:12:32.873" v="19" actId="1076"/>
+          <ac:picMkLst>
+            <pc:docMk/>
+            <pc:sldMk cId="3670751207" sldId="257"/>
+            <ac:picMk id="3" creationId="{20018827-25E8-5511-6BE0-3FC5F0D9D229}"/>
+          </ac:picMkLst>
+        </pc:picChg>
+        <pc:picChg chg="add mod">
+          <ac:chgData name="こうき すえひろ" userId="b0e17d1764f68991" providerId="LiveId" clId="{9054634E-719F-4FB6-8A80-BBD0DAE7A527}" dt="2025-07-09T09:12:59.182" v="21" actId="1076"/>
+          <ac:picMkLst>
+            <pc:docMk/>
+            <pc:sldMk cId="3670751207" sldId="257"/>
+            <ac:picMk id="14" creationId="{15FBF707-AB19-1433-50C2-A6E9FE1889BB}"/>
+          </ac:picMkLst>
+        </pc:picChg>
+        <pc:picChg chg="add mod">
+          <ac:chgData name="こうき すえひろ" userId="b0e17d1764f68991" providerId="LiveId" clId="{9054634E-719F-4FB6-8A80-BBD0DAE7A527}" dt="2025-07-09T09:13:35.515" v="23" actId="1076"/>
+          <ac:picMkLst>
+            <pc:docMk/>
+            <pc:sldMk cId="3670751207" sldId="257"/>
+            <ac:picMk id="18" creationId="{06FF98BA-51B2-4609-7EEE-F07F175783CE}"/>
           </ac:picMkLst>
         </pc:picChg>
       </pc:sldChg>
@@ -3723,7 +3866,7 @@
         </p:nvSpPr>
         <p:spPr>
           <a:xfrm>
-            <a:off x="1663796" y="1197810"/>
+            <a:off x="524807" y="1245936"/>
             <a:ext cx="2454442" cy="866274"/>
           </a:xfrm>
           <a:prstGeom prst="flowChartAlternateProcess">
@@ -3792,7 +3935,7 @@
         </p:nvSpPr>
         <p:spPr>
           <a:xfrm>
-            <a:off x="1679838" y="2368884"/>
+            <a:off x="540849" y="2417010"/>
             <a:ext cx="2454442" cy="866274"/>
           </a:xfrm>
           <a:prstGeom prst="flowChartProcess">
@@ -3861,7 +4004,7 @@
         </p:nvSpPr>
         <p:spPr>
           <a:xfrm>
-            <a:off x="1695880" y="3535947"/>
+            <a:off x="556891" y="3584073"/>
             <a:ext cx="2454442" cy="866274"/>
           </a:xfrm>
           <a:prstGeom prst="flowChartProcess">
@@ -3930,7 +4073,7 @@
         </p:nvSpPr>
         <p:spPr>
           <a:xfrm>
-            <a:off x="1711922" y="4686968"/>
+            <a:off x="572933" y="4735094"/>
             <a:ext cx="2454442" cy="866274"/>
           </a:xfrm>
           <a:prstGeom prst="flowChartAlternateProcess">
@@ -4003,7 +4146,7 @@
         </p:nvCxnSpPr>
         <p:spPr>
           <a:xfrm rot="16200000" flipH="1">
-            <a:off x="2746638" y="2208463"/>
+            <a:off x="1607649" y="2256589"/>
             <a:ext cx="304800" cy="16042"/>
           </a:xfrm>
           <a:prstGeom prst="curvedConnector3">
@@ -4051,7 +4194,7 @@
         </p:nvCxnSpPr>
         <p:spPr>
           <a:xfrm rot="16200000" flipH="1">
-            <a:off x="2764686" y="3377531"/>
+            <a:off x="1625697" y="3425657"/>
             <a:ext cx="300789" cy="16042"/>
           </a:xfrm>
           <a:prstGeom prst="curvedConnector3">
@@ -4097,7 +4240,7 @@
         </p:nvCxnSpPr>
         <p:spPr>
           <a:xfrm rot="16200000" flipH="1">
-            <a:off x="2788749" y="4536573"/>
+            <a:off x="1649760" y="4584699"/>
             <a:ext cx="284747" cy="16042"/>
           </a:xfrm>
           <a:prstGeom prst="curvedConnector3">
@@ -4144,7 +4287,7 @@
         </p:nvCxnSpPr>
         <p:spPr>
           <a:xfrm flipH="1" flipV="1">
-            <a:off x="4118238" y="2802021"/>
+            <a:off x="2979249" y="2850147"/>
             <a:ext cx="48126" cy="2318084"/>
           </a:xfrm>
           <a:prstGeom prst="curvedConnector4">
@@ -4240,8 +4383,69 @@
         </p:blipFill>
         <p:spPr>
           <a:xfrm>
-            <a:off x="4725807" y="1438506"/>
+            <a:off x="7436923" y="1513336"/>
             <a:ext cx="5770313" cy="2888884"/>
+          </a:xfrm>
+          <a:prstGeom prst="rect">
+            <a:avLst/>
+          </a:prstGeom>
+        </p:spPr>
+      </p:pic>
+      <p:pic>
+        <p:nvPicPr>
+          <p:cNvPr id="11" name="図 10">
+            <a:extLst>
+              <a:ext uri="{FF2B5EF4-FFF2-40B4-BE49-F238E27FC236}">
+                <a16:creationId xmlns:a16="http://schemas.microsoft.com/office/drawing/2014/main" id="{7B0264EE-037A-E550-13C9-4E73ACFCCC24}"/>
+              </a:ext>
+            </a:extLst>
+          </p:cNvPr>
+          <p:cNvPicPr>
+            <a:picLocks noChangeAspect="1"/>
+          </p:cNvPicPr>
+          <p:nvPr/>
+        </p:nvPicPr>
+        <p:blipFill>
+          <a:blip r:embed="rId3"/>
+          <a:srcRect l="3357" t="6404"/>
+          <a:stretch>
+            <a:fillRect/>
+          </a:stretch>
+        </p:blipFill>
+        <p:spPr>
+          <a:xfrm>
+            <a:off x="3252537" y="2551450"/>
+            <a:ext cx="5118837" cy="597393"/>
+          </a:xfrm>
+          <a:prstGeom prst="rect">
+            <a:avLst/>
+          </a:prstGeom>
+        </p:spPr>
+      </p:pic>
+      <p:pic>
+        <p:nvPicPr>
+          <p:cNvPr id="14" name="図 13">
+            <a:extLst>
+              <a:ext uri="{FF2B5EF4-FFF2-40B4-BE49-F238E27FC236}">
+                <a16:creationId xmlns:a16="http://schemas.microsoft.com/office/drawing/2014/main" id="{EFAD9EAD-FE83-7181-12B6-2C77AFFF341B}"/>
+              </a:ext>
+            </a:extLst>
+          </p:cNvPr>
+          <p:cNvPicPr>
+            <a:picLocks noChangeAspect="1"/>
+          </p:cNvPicPr>
+          <p:nvPr/>
+        </p:nvPicPr>
+        <p:blipFill>
+          <a:blip r:embed="rId4"/>
+          <a:stretch>
+            <a:fillRect/>
+          </a:stretch>
+        </p:blipFill>
+        <p:spPr>
+          <a:xfrm>
+            <a:off x="3027375" y="4017210"/>
+            <a:ext cx="5115639" cy="238158"/>
           </a:xfrm>
           <a:prstGeom prst="rect">
             <a:avLst/>
@@ -4976,6 +5180,96 @@
               </a14:hiddenFill>
             </a:ext>
           </a:extLst>
+        </p:spPr>
+      </p:pic>
+      <p:pic>
+        <p:nvPicPr>
+          <p:cNvPr id="3" name="図 2">
+            <a:extLst>
+              <a:ext uri="{FF2B5EF4-FFF2-40B4-BE49-F238E27FC236}">
+                <a16:creationId xmlns:a16="http://schemas.microsoft.com/office/drawing/2014/main" id="{20018827-25E8-5511-6BE0-3FC5F0D9D229}"/>
+              </a:ext>
+            </a:extLst>
+          </p:cNvPr>
+          <p:cNvPicPr>
+            <a:picLocks noChangeAspect="1"/>
+          </p:cNvPicPr>
+          <p:nvPr/>
+        </p:nvPicPr>
+        <p:blipFill>
+          <a:blip r:embed="rId3"/>
+          <a:stretch>
+            <a:fillRect/>
+          </a:stretch>
+        </p:blipFill>
+        <p:spPr>
+          <a:xfrm>
+            <a:off x="3976519" y="1835051"/>
+            <a:ext cx="2410161" cy="2000529"/>
+          </a:xfrm>
+          <a:prstGeom prst="rect">
+            <a:avLst/>
+          </a:prstGeom>
+        </p:spPr>
+      </p:pic>
+      <p:pic>
+        <p:nvPicPr>
+          <p:cNvPr id="14" name="図 13">
+            <a:extLst>
+              <a:ext uri="{FF2B5EF4-FFF2-40B4-BE49-F238E27FC236}">
+                <a16:creationId xmlns:a16="http://schemas.microsoft.com/office/drawing/2014/main" id="{15FBF707-AB19-1433-50C2-A6E9FE1889BB}"/>
+              </a:ext>
+            </a:extLst>
+          </p:cNvPr>
+          <p:cNvPicPr>
+            <a:picLocks noChangeAspect="1"/>
+          </p:cNvPicPr>
+          <p:nvPr/>
+        </p:nvPicPr>
+        <p:blipFill>
+          <a:blip r:embed="rId4"/>
+          <a:stretch>
+            <a:fillRect/>
+          </a:stretch>
+        </p:blipFill>
+        <p:spPr>
+          <a:xfrm>
+            <a:off x="3419475" y="5054346"/>
+            <a:ext cx="3629532" cy="266737"/>
+          </a:xfrm>
+          <a:prstGeom prst="rect">
+            <a:avLst/>
+          </a:prstGeom>
+        </p:spPr>
+      </p:pic>
+      <p:pic>
+        <p:nvPicPr>
+          <p:cNvPr id="18" name="図 17">
+            <a:extLst>
+              <a:ext uri="{FF2B5EF4-FFF2-40B4-BE49-F238E27FC236}">
+                <a16:creationId xmlns:a16="http://schemas.microsoft.com/office/drawing/2014/main" id="{06FF98BA-51B2-4609-7EEE-F07F175783CE}"/>
+              </a:ext>
+            </a:extLst>
+          </p:cNvPr>
+          <p:cNvPicPr>
+            <a:picLocks noChangeAspect="1"/>
+          </p:cNvPicPr>
+          <p:nvPr/>
+        </p:nvPicPr>
+        <p:blipFill>
+          <a:blip r:embed="rId5"/>
+          <a:stretch>
+            <a:fillRect/>
+          </a:stretch>
+        </p:blipFill>
+        <p:spPr>
+          <a:xfrm>
+            <a:off x="3527466" y="4032919"/>
+            <a:ext cx="4048690" cy="390580"/>
+          </a:xfrm>
+          <a:prstGeom prst="rect">
+            <a:avLst/>
+          </a:prstGeom>
         </p:spPr>
       </p:pic>
     </p:spTree>

--- a/2025/Salvador/TDP/About Software/flowchart.pptx
+++ b/2025/Salvador/TDP/About Software/flowchart.pptx
@@ -198,13 +198,13 @@
   </pc:docChgLst>
   <pc:docChgLst>
     <pc:chgData name="こうき すえひろ" userId="b0e17d1764f68991" providerId="LiveId" clId="{9054634E-719F-4FB6-8A80-BBD0DAE7A527}"/>
-    <pc:docChg chg="custSel modSld">
-      <pc:chgData name="こうき すえひろ" userId="b0e17d1764f68991" providerId="LiveId" clId="{9054634E-719F-4FB6-8A80-BBD0DAE7A527}" dt="2025-07-09T09:13:35.515" v="23" actId="1076"/>
+    <pc:docChg chg="undo custSel modSld">
+      <pc:chgData name="こうき すえひろ" userId="b0e17d1764f68991" providerId="LiveId" clId="{9054634E-719F-4FB6-8A80-BBD0DAE7A527}" dt="2025-07-09T09:17:28.633" v="40" actId="1076"/>
       <pc:docMkLst>
         <pc:docMk/>
       </pc:docMkLst>
       <pc:sldChg chg="addSp delSp modSp mod">
-        <pc:chgData name="こうき すえひろ" userId="b0e17d1764f68991" providerId="LiveId" clId="{9054634E-719F-4FB6-8A80-BBD0DAE7A527}" dt="2025-07-09T09:11:48.556" v="17" actId="1076"/>
+        <pc:chgData name="こうき すえひろ" userId="b0e17d1764f68991" providerId="LiveId" clId="{9054634E-719F-4FB6-8A80-BBD0DAE7A527}" dt="2025-07-09T09:16:46.932" v="39" actId="1076"/>
         <pc:sldMkLst>
           <pc:docMk/>
           <pc:sldMk cId="4240672243" sldId="256"/>
@@ -257,8 +257,8 @@
             <ac:picMk id="7" creationId="{D40488EF-7356-2401-B74F-982B6D224C85}"/>
           </ac:picMkLst>
         </pc:picChg>
-        <pc:picChg chg="add mod modCrop">
-          <ac:chgData name="こうき すえひろ" userId="b0e17d1764f68991" providerId="LiveId" clId="{9054634E-719F-4FB6-8A80-BBD0DAE7A527}" dt="2025-07-09T09:10:55.403" v="15" actId="1076"/>
+        <pc:picChg chg="add del mod modCrop">
+          <ac:chgData name="こうき すえひろ" userId="b0e17d1764f68991" providerId="LiveId" clId="{9054634E-719F-4FB6-8A80-BBD0DAE7A527}" dt="2025-07-09T09:16:37.990" v="35" actId="478"/>
           <ac:picMkLst>
             <pc:docMk/>
             <pc:sldMk cId="4240672243" sldId="256"/>
@@ -266,15 +266,15 @@
           </ac:picMkLst>
         </pc:picChg>
         <pc:picChg chg="add mod">
-          <ac:chgData name="こうき すえひろ" userId="b0e17d1764f68991" providerId="LiveId" clId="{9054634E-719F-4FB6-8A80-BBD0DAE7A527}" dt="2025-07-09T09:11:48.556" v="17" actId="1076"/>
+          <ac:chgData name="こうき すえひろ" userId="b0e17d1764f68991" providerId="LiveId" clId="{9054634E-719F-4FB6-8A80-BBD0DAE7A527}" dt="2025-07-09T09:16:37.657" v="34" actId="1076"/>
           <ac:picMkLst>
             <pc:docMk/>
             <pc:sldMk cId="4240672243" sldId="256"/>
             <ac:picMk id="14" creationId="{EFAD9EAD-FE83-7181-12B6-2C77AFFF341B}"/>
           </ac:picMkLst>
         </pc:picChg>
-        <pc:picChg chg="mod">
-          <ac:chgData name="こうき すえひろ" userId="b0e17d1764f68991" providerId="LiveId" clId="{9054634E-719F-4FB6-8A80-BBD0DAE7A527}" dt="2025-07-09T09:10:08.480" v="9" actId="1076"/>
+        <pc:picChg chg="add del mod">
+          <ac:chgData name="こうき すえひろ" userId="b0e17d1764f68991" providerId="LiveId" clId="{9054634E-719F-4FB6-8A80-BBD0DAE7A527}" dt="2025-07-09T09:16:46.932" v="39" actId="1076"/>
           <ac:picMkLst>
             <pc:docMk/>
             <pc:sldMk cId="4240672243" sldId="256"/>
@@ -315,11 +315,51 @@
         </pc:cxnChg>
       </pc:sldChg>
       <pc:sldChg chg="addSp modSp mod">
-        <pc:chgData name="こうき すえひろ" userId="b0e17d1764f68991" providerId="LiveId" clId="{9054634E-719F-4FB6-8A80-BBD0DAE7A527}" dt="2025-07-09T09:13:35.515" v="23" actId="1076"/>
+        <pc:chgData name="こうき すえひろ" userId="b0e17d1764f68991" providerId="LiveId" clId="{9054634E-719F-4FB6-8A80-BBD0DAE7A527}" dt="2025-07-09T09:17:28.633" v="40" actId="1076"/>
         <pc:sldMkLst>
           <pc:docMk/>
           <pc:sldMk cId="3670751207" sldId="257"/>
         </pc:sldMkLst>
+        <pc:spChg chg="mod">
+          <ac:chgData name="こうき すえひろ" userId="b0e17d1764f68991" providerId="LiveId" clId="{9054634E-719F-4FB6-8A80-BBD0DAE7A527}" dt="2025-07-09T09:17:28.633" v="40" actId="1076"/>
+          <ac:spMkLst>
+            <pc:docMk/>
+            <pc:sldMk cId="3670751207" sldId="257"/>
+            <ac:spMk id="6" creationId="{0AA41827-447F-3705-2F8A-47D022B327E3}"/>
+          </ac:spMkLst>
+        </pc:spChg>
+        <pc:spChg chg="mod">
+          <ac:chgData name="こうき すえひろ" userId="b0e17d1764f68991" providerId="LiveId" clId="{9054634E-719F-4FB6-8A80-BBD0DAE7A527}" dt="2025-07-09T09:17:28.633" v="40" actId="1076"/>
+          <ac:spMkLst>
+            <pc:docMk/>
+            <pc:sldMk cId="3670751207" sldId="257"/>
+            <ac:spMk id="7" creationId="{27A60A9D-12A4-07ED-90F9-F92912B72234}"/>
+          </ac:spMkLst>
+        </pc:spChg>
+        <pc:spChg chg="mod">
+          <ac:chgData name="こうき すえひろ" userId="b0e17d1764f68991" providerId="LiveId" clId="{9054634E-719F-4FB6-8A80-BBD0DAE7A527}" dt="2025-07-09T09:17:28.633" v="40" actId="1076"/>
+          <ac:spMkLst>
+            <pc:docMk/>
+            <pc:sldMk cId="3670751207" sldId="257"/>
+            <ac:spMk id="8" creationId="{A4DE26A8-89D7-6AF0-CA09-60184FE2BFE5}"/>
+          </ac:spMkLst>
+        </pc:spChg>
+        <pc:spChg chg="mod">
+          <ac:chgData name="こうき すえひろ" userId="b0e17d1764f68991" providerId="LiveId" clId="{9054634E-719F-4FB6-8A80-BBD0DAE7A527}" dt="2025-07-09T09:17:28.633" v="40" actId="1076"/>
+          <ac:spMkLst>
+            <pc:docMk/>
+            <pc:sldMk cId="3670751207" sldId="257"/>
+            <ac:spMk id="9" creationId="{50D580D4-0EDB-F6B3-84A8-0BC5381AC090}"/>
+          </ac:spMkLst>
+        </pc:spChg>
+        <pc:spChg chg="mod">
+          <ac:chgData name="こうき すえひろ" userId="b0e17d1764f68991" providerId="LiveId" clId="{9054634E-719F-4FB6-8A80-BBD0DAE7A527}" dt="2025-07-09T09:17:28.633" v="40" actId="1076"/>
+          <ac:spMkLst>
+            <pc:docMk/>
+            <pc:sldMk cId="3670751207" sldId="257"/>
+            <ac:spMk id="15" creationId="{2D7A246D-D196-732B-3F14-55672A3224BC}"/>
+          </ac:spMkLst>
+        </pc:spChg>
         <pc:picChg chg="add mod">
           <ac:chgData name="こうき すえひろ" userId="b0e17d1764f68991" providerId="LiveId" clId="{9054634E-719F-4FB6-8A80-BBD0DAE7A527}" dt="2025-07-09T09:12:32.873" v="19" actId="1076"/>
           <ac:picMkLst>
@@ -344,6 +384,46 @@
             <ac:picMk id="18" creationId="{06FF98BA-51B2-4609-7EEE-F07F175783CE}"/>
           </ac:picMkLst>
         </pc:picChg>
+        <pc:cxnChg chg="mod">
+          <ac:chgData name="こうき すえひろ" userId="b0e17d1764f68991" providerId="LiveId" clId="{9054634E-719F-4FB6-8A80-BBD0DAE7A527}" dt="2025-07-09T09:17:28.633" v="40" actId="1076"/>
+          <ac:cxnSpMkLst>
+            <pc:docMk/>
+            <pc:sldMk cId="3670751207" sldId="257"/>
+            <ac:cxnSpMk id="10" creationId="{74277884-CF48-FC2D-362D-908B7736B8E2}"/>
+          </ac:cxnSpMkLst>
+        </pc:cxnChg>
+        <pc:cxnChg chg="mod">
+          <ac:chgData name="こうき すえひろ" userId="b0e17d1764f68991" providerId="LiveId" clId="{9054634E-719F-4FB6-8A80-BBD0DAE7A527}" dt="2025-07-09T09:17:28.633" v="40" actId="1076"/>
+          <ac:cxnSpMkLst>
+            <pc:docMk/>
+            <pc:sldMk cId="3670751207" sldId="257"/>
+            <ac:cxnSpMk id="11" creationId="{C980E773-78F0-D04A-7399-047BDC349149}"/>
+          </ac:cxnSpMkLst>
+        </pc:cxnChg>
+        <pc:cxnChg chg="mod">
+          <ac:chgData name="こうき すえひろ" userId="b0e17d1764f68991" providerId="LiveId" clId="{9054634E-719F-4FB6-8A80-BBD0DAE7A527}" dt="2025-07-09T09:17:28.633" v="40" actId="1076"/>
+          <ac:cxnSpMkLst>
+            <pc:docMk/>
+            <pc:sldMk cId="3670751207" sldId="257"/>
+            <ac:cxnSpMk id="12" creationId="{67BDE618-4B41-86ED-DC8A-21AA9C9C5840}"/>
+          </ac:cxnSpMkLst>
+        </pc:cxnChg>
+        <pc:cxnChg chg="mod">
+          <ac:chgData name="こうき すえひろ" userId="b0e17d1764f68991" providerId="LiveId" clId="{9054634E-719F-4FB6-8A80-BBD0DAE7A527}" dt="2025-07-09T09:17:28.633" v="40" actId="1076"/>
+          <ac:cxnSpMkLst>
+            <pc:docMk/>
+            <pc:sldMk cId="3670751207" sldId="257"/>
+            <ac:cxnSpMk id="13" creationId="{C7589E4C-41EF-ABDE-0798-BCD9501681B6}"/>
+          </ac:cxnSpMkLst>
+        </pc:cxnChg>
+        <pc:cxnChg chg="mod">
+          <ac:chgData name="こうき すえひろ" userId="b0e17d1764f68991" providerId="LiveId" clId="{9054634E-719F-4FB6-8A80-BBD0DAE7A527}" dt="2025-07-09T09:17:28.633" v="40" actId="1076"/>
+          <ac:cxnSpMkLst>
+            <pc:docMk/>
+            <pc:sldMk cId="3670751207" sldId="257"/>
+            <ac:cxnSpMk id="17" creationId="{7D69ADD0-3CF3-409F-3E81-4DEA609C1C82}"/>
+          </ac:cxnSpMkLst>
+        </pc:cxnChg>
       </pc:sldChg>
     </pc:docChg>
   </pc:docChgLst>
@@ -4383,7 +4463,7 @@
         </p:blipFill>
         <p:spPr>
           <a:xfrm>
-            <a:off x="7436923" y="1513336"/>
+            <a:off x="6895153" y="1108903"/>
             <a:ext cx="5770313" cy="2888884"/>
           </a:xfrm>
           <a:prstGeom prst="rect">
@@ -4414,7 +4494,7 @@
         </p:blipFill>
         <p:spPr>
           <a:xfrm>
-            <a:off x="3252537" y="2551450"/>
+            <a:off x="3321019" y="2489704"/>
             <a:ext cx="5118837" cy="597393"/>
           </a:xfrm>
           <a:prstGeom prst="rect">
@@ -4444,7 +4524,7 @@
         </p:blipFill>
         <p:spPr>
           <a:xfrm>
-            <a:off x="3027375" y="4017210"/>
+            <a:off x="3400755" y="3944386"/>
             <a:ext cx="5115639" cy="238158"/>
           </a:xfrm>
           <a:prstGeom prst="rect">
@@ -4549,7 +4629,7 @@
         </p:nvSpPr>
         <p:spPr>
           <a:xfrm>
-            <a:off x="1663796" y="1197810"/>
+            <a:off x="273146" y="1166726"/>
             <a:ext cx="2454442" cy="866274"/>
           </a:xfrm>
           <a:prstGeom prst="flowChartAlternateProcess">
@@ -4618,7 +4698,7 @@
         </p:nvSpPr>
         <p:spPr>
           <a:xfrm>
-            <a:off x="1679838" y="2368884"/>
+            <a:off x="289188" y="2337800"/>
             <a:ext cx="2454442" cy="866274"/>
           </a:xfrm>
           <a:prstGeom prst="flowChartProcess">
@@ -4687,7 +4767,7 @@
         </p:nvSpPr>
         <p:spPr>
           <a:xfrm>
-            <a:off x="1695880" y="3535947"/>
+            <a:off x="305230" y="3504863"/>
             <a:ext cx="2454442" cy="866274"/>
           </a:xfrm>
           <a:prstGeom prst="flowChartProcess">
@@ -4756,7 +4836,7 @@
         </p:nvSpPr>
         <p:spPr>
           <a:xfrm>
-            <a:off x="1711922" y="5804568"/>
+            <a:off x="321272" y="5773484"/>
             <a:ext cx="2454442" cy="866274"/>
           </a:xfrm>
           <a:prstGeom prst="flowChartAlternateProcess">
@@ -4829,7 +4909,7 @@
         </p:nvCxnSpPr>
         <p:spPr>
           <a:xfrm rot="16200000" flipH="1">
-            <a:off x="2746638" y="2208463"/>
+            <a:off x="1355988" y="2177379"/>
             <a:ext cx="304800" cy="16042"/>
           </a:xfrm>
           <a:prstGeom prst="curvedConnector3">
@@ -4877,7 +4957,7 @@
         </p:nvCxnSpPr>
         <p:spPr>
           <a:xfrm rot="16200000" flipH="1">
-            <a:off x="2764686" y="3377531"/>
+            <a:off x="1374036" y="3346447"/>
             <a:ext cx="300789" cy="16042"/>
           </a:xfrm>
           <a:prstGeom prst="curvedConnector3">
@@ -4923,7 +5003,7 @@
         </p:nvCxnSpPr>
         <p:spPr>
           <a:xfrm rot="16200000" flipH="1">
-            <a:off x="2796436" y="4528886"/>
+            <a:off x="1405786" y="4497802"/>
             <a:ext cx="256673" cy="3342"/>
           </a:xfrm>
           <a:prstGeom prst="curvedConnector3">
@@ -4971,7 +5051,7 @@
         </p:nvCxnSpPr>
         <p:spPr>
           <a:xfrm flipH="1" flipV="1">
-            <a:off x="4134280" y="2802021"/>
+            <a:off x="2743630" y="2770937"/>
             <a:ext cx="32084" cy="3435684"/>
           </a:xfrm>
           <a:prstGeom prst="curvedConnector3">
@@ -5015,7 +5095,7 @@
         </p:nvSpPr>
         <p:spPr>
           <a:xfrm>
-            <a:off x="1699222" y="4658894"/>
+            <a:off x="308572" y="4627810"/>
             <a:ext cx="2454442" cy="866274"/>
           </a:xfrm>
           <a:prstGeom prst="flowChartProcess">
@@ -5105,7 +5185,7 @@
         </p:nvCxnSpPr>
         <p:spPr>
           <a:xfrm rot="16200000" flipH="1">
-            <a:off x="2793093" y="5658518"/>
+            <a:off x="1402443" y="5627434"/>
             <a:ext cx="279400" cy="12700"/>
           </a:xfrm>
           <a:prstGeom prst="curvedConnector3">

--- a/2025/Salvador/TDP/About Software/flowchart.pptx
+++ b/2025/Salvador/TDP/About Software/flowchart.pptx
@@ -117,6 +117,14 @@
 </p:presentation>
 </file>
 
+<file path=ppt/revisionInfo.xml><?xml version="1.0" encoding="utf-8"?>
+<p1510:revInfo xmlns:a="http://schemas.openxmlformats.org/drawingml/2006/main" xmlns:r="http://schemas.openxmlformats.org/officeDocument/2006/relationships" xmlns:p1510="http://schemas.microsoft.com/office/powerpoint/2015/10/main">
+  <p1510:revLst>
+    <p1510:client id="{9054634E-719F-4FB6-8A80-BBD0DAE7A527}" v="24" dt="2025-07-09T14:13:01.692"/>
+  </p1510:revLst>
+</p1510:revInfo>
+</file>
+
 <file path=ppt/changesInfos/changesInfo1.xml><?xml version="1.0" encoding="utf-8"?>
 <pc:chgInfo xmlns:a="http://schemas.openxmlformats.org/drawingml/2006/main" xmlns:r="http://schemas.openxmlformats.org/officeDocument/2006/relationships" xmlns:ac="http://schemas.microsoft.com/office/drawing/2013/main/command" xmlns:pc="http://schemas.microsoft.com/office/powerpoint/2013/main/command">
   <pc:docChgLst>
@@ -199,12 +207,12 @@
   <pc:docChgLst>
     <pc:chgData name="こうき すえひろ" userId="b0e17d1764f68991" providerId="LiveId" clId="{9054634E-719F-4FB6-8A80-BBD0DAE7A527}"/>
     <pc:docChg chg="undo custSel modSld">
-      <pc:chgData name="こうき すえひろ" userId="b0e17d1764f68991" providerId="LiveId" clId="{9054634E-719F-4FB6-8A80-BBD0DAE7A527}" dt="2025-07-09T09:17:28.633" v="40" actId="1076"/>
+      <pc:chgData name="こうき すえひろ" userId="b0e17d1764f68991" providerId="LiveId" clId="{9054634E-719F-4FB6-8A80-BBD0DAE7A527}" dt="2025-07-09T14:13:01.692" v="302"/>
       <pc:docMkLst>
         <pc:docMk/>
       </pc:docMkLst>
       <pc:sldChg chg="addSp delSp modSp mod">
-        <pc:chgData name="こうき すえひろ" userId="b0e17d1764f68991" providerId="LiveId" clId="{9054634E-719F-4FB6-8A80-BBD0DAE7A527}" dt="2025-07-09T09:16:46.932" v="39" actId="1076"/>
+        <pc:chgData name="こうき すえひろ" userId="b0e17d1764f68991" providerId="LiveId" clId="{9054634E-719F-4FB6-8A80-BBD0DAE7A527}" dt="2025-07-09T13:54:51.464" v="119"/>
         <pc:sldMkLst>
           <pc:docMk/>
           <pc:sldMk cId="4240672243" sldId="256"/>
@@ -241,12 +249,44 @@
             <ac:spMk id="10" creationId="{EF96DF10-359C-ED89-824E-D9AAFA1F19D7}"/>
           </ac:spMkLst>
         </pc:spChg>
+        <pc:spChg chg="add mod">
+          <ac:chgData name="こうき すえひろ" userId="b0e17d1764f68991" providerId="LiveId" clId="{9054634E-719F-4FB6-8A80-BBD0DAE7A527}" dt="2025-07-09T13:54:12.520" v="114" actId="14100"/>
+          <ac:spMkLst>
+            <pc:docMk/>
+            <pc:sldMk cId="4240672243" sldId="256"/>
+            <ac:spMk id="18" creationId="{EBDB1279-E54B-A87B-886C-59A0913D61CC}"/>
+          </ac:spMkLst>
+        </pc:spChg>
+        <pc:spChg chg="add mod">
+          <ac:chgData name="こうき すえひろ" userId="b0e17d1764f68991" providerId="LiveId" clId="{9054634E-719F-4FB6-8A80-BBD0DAE7A527}" dt="2025-07-09T13:54:51.464" v="119"/>
+          <ac:spMkLst>
+            <pc:docMk/>
+            <pc:sldMk cId="4240672243" sldId="256"/>
+            <ac:spMk id="21" creationId="{698ACF6A-D304-566A-5041-9157C57CEEDE}"/>
+          </ac:spMkLst>
+        </pc:spChg>
         <pc:picChg chg="add del mod">
           <ac:chgData name="こうき すえひろ" userId="b0e17d1764f68991" providerId="LiveId" clId="{9054634E-719F-4FB6-8A80-BBD0DAE7A527}" dt="2025-07-09T09:09:29.865" v="5" actId="478"/>
           <ac:picMkLst>
             <pc:docMk/>
             <pc:sldMk cId="4240672243" sldId="256"/>
             <ac:picMk id="3" creationId="{6B3C4FD7-2DFA-502D-D602-565EF698B0CC}"/>
+          </ac:picMkLst>
+        </pc:picChg>
+        <pc:picChg chg="add del mod">
+          <ac:chgData name="こうき すえひろ" userId="b0e17d1764f68991" providerId="LiveId" clId="{9054634E-719F-4FB6-8A80-BBD0DAE7A527}" dt="2025-07-09T13:51:24.841" v="48" actId="478"/>
+          <ac:picMkLst>
+            <pc:docMk/>
+            <pc:sldMk cId="4240672243" sldId="256"/>
+            <ac:picMk id="3" creationId="{D12715E2-9F01-C0E1-7B08-30DD54C936FB}"/>
+          </ac:picMkLst>
+        </pc:picChg>
+        <pc:picChg chg="add del mod">
+          <ac:chgData name="こうき すえひろ" userId="b0e17d1764f68991" providerId="LiveId" clId="{9054634E-719F-4FB6-8A80-BBD0DAE7A527}" dt="2025-07-09T13:51:44.691" v="53" actId="21"/>
+          <ac:picMkLst>
+            <pc:docMk/>
+            <pc:sldMk cId="4240672243" sldId="256"/>
+            <ac:picMk id="7" creationId="{8A535693-3624-5AC3-7405-8D016AAA8F2A}"/>
           </ac:picMkLst>
         </pc:picChg>
         <pc:picChg chg="add del mod">
@@ -258,11 +298,19 @@
           </ac:picMkLst>
         </pc:picChg>
         <pc:picChg chg="add del mod modCrop">
-          <ac:chgData name="こうき すえひろ" userId="b0e17d1764f68991" providerId="LiveId" clId="{9054634E-719F-4FB6-8A80-BBD0DAE7A527}" dt="2025-07-09T09:16:37.990" v="35" actId="478"/>
+          <ac:chgData name="こうき すえひろ" userId="b0e17d1764f68991" providerId="LiveId" clId="{9054634E-719F-4FB6-8A80-BBD0DAE7A527}" dt="2025-07-09T13:54:01.830" v="90" actId="1076"/>
           <ac:picMkLst>
             <pc:docMk/>
             <pc:sldMk cId="4240672243" sldId="256"/>
             <ac:picMk id="11" creationId="{7B0264EE-037A-E550-13C9-4E73ACFCCC24}"/>
+          </ac:picMkLst>
+        </pc:picChg>
+        <pc:picChg chg="add mod">
+          <ac:chgData name="こうき すえひろ" userId="b0e17d1764f68991" providerId="LiveId" clId="{9054634E-719F-4FB6-8A80-BBD0DAE7A527}" dt="2025-07-09T13:52:05.953" v="62" actId="1076"/>
+          <ac:picMkLst>
+            <pc:docMk/>
+            <pc:sldMk cId="4240672243" sldId="256"/>
+            <ac:picMk id="13" creationId="{8B01B8E6-00DC-2F04-0782-0B92F4866B57}"/>
           </ac:picMkLst>
         </pc:picChg>
         <pc:picChg chg="add mod">
@@ -274,7 +322,15 @@
           </ac:picMkLst>
         </pc:picChg>
         <pc:picChg chg="add del mod">
-          <ac:chgData name="こうき すえひろ" userId="b0e17d1764f68991" providerId="LiveId" clId="{9054634E-719F-4FB6-8A80-BBD0DAE7A527}" dt="2025-07-09T09:16:46.932" v="39" actId="1076"/>
+          <ac:chgData name="こうき すえひろ" userId="b0e17d1764f68991" providerId="LiveId" clId="{9054634E-719F-4FB6-8A80-BBD0DAE7A527}" dt="2025-07-09T13:52:10.748" v="64" actId="478"/>
+          <ac:picMkLst>
+            <pc:docMk/>
+            <pc:sldMk cId="4240672243" sldId="256"/>
+            <ac:picMk id="15" creationId="{568B669C-3B25-4F09-3D4F-00CFEA37DA15}"/>
+          </ac:picMkLst>
+        </pc:picChg>
+        <pc:picChg chg="add del mod">
+          <ac:chgData name="こうき すえひろ" userId="b0e17d1764f68991" providerId="LiveId" clId="{9054634E-719F-4FB6-8A80-BBD0DAE7A527}" dt="2025-07-09T13:50:03.905" v="41" actId="478"/>
           <ac:picMkLst>
             <pc:docMk/>
             <pc:sldMk cId="4240672243" sldId="256"/>
@@ -314,12 +370,20 @@
           </ac:cxnSpMkLst>
         </pc:cxnChg>
       </pc:sldChg>
-      <pc:sldChg chg="addSp modSp mod">
-        <pc:chgData name="こうき すえひろ" userId="b0e17d1764f68991" providerId="LiveId" clId="{9054634E-719F-4FB6-8A80-BBD0DAE7A527}" dt="2025-07-09T09:17:28.633" v="40" actId="1076"/>
+      <pc:sldChg chg="addSp delSp modSp mod">
+        <pc:chgData name="こうき すえひろ" userId="b0e17d1764f68991" providerId="LiveId" clId="{9054634E-719F-4FB6-8A80-BBD0DAE7A527}" dt="2025-07-09T13:59:48.178" v="154" actId="1076"/>
         <pc:sldMkLst>
           <pc:docMk/>
           <pc:sldMk cId="3670751207" sldId="257"/>
         </pc:sldMkLst>
+        <pc:spChg chg="add mod">
+          <ac:chgData name="こうき すえひろ" userId="b0e17d1764f68991" providerId="LiveId" clId="{9054634E-719F-4FB6-8A80-BBD0DAE7A527}" dt="2025-07-09T13:59:48.178" v="154" actId="1076"/>
+          <ac:spMkLst>
+            <pc:docMk/>
+            <pc:sldMk cId="3670751207" sldId="257"/>
+            <ac:spMk id="4" creationId="{BA6FC8A6-64FF-157F-2F01-4A9241E9BAC1}"/>
+          </ac:spMkLst>
+        </pc:spChg>
         <pc:spChg chg="mod">
           <ac:chgData name="こうき すえひろ" userId="b0e17d1764f68991" providerId="LiveId" clId="{9054634E-719F-4FB6-8A80-BBD0DAE7A527}" dt="2025-07-09T09:17:28.633" v="40" actId="1076"/>
           <ac:spMkLst>
@@ -361,7 +425,15 @@
           </ac:spMkLst>
         </pc:spChg>
         <pc:picChg chg="add mod">
-          <ac:chgData name="こうき すえひろ" userId="b0e17d1764f68991" providerId="LiveId" clId="{9054634E-719F-4FB6-8A80-BBD0DAE7A527}" dt="2025-07-09T09:12:32.873" v="19" actId="1076"/>
+          <ac:chgData name="こうき すえひろ" userId="b0e17d1764f68991" providerId="LiveId" clId="{9054634E-719F-4FB6-8A80-BBD0DAE7A527}" dt="2025-07-09T13:59:44.921" v="153" actId="1076"/>
+          <ac:picMkLst>
+            <pc:docMk/>
+            <pc:sldMk cId="3670751207" sldId="257"/>
+            <ac:picMk id="2" creationId="{8A535693-3624-5AC3-7405-8D016AAA8F2A}"/>
+          </ac:picMkLst>
+        </pc:picChg>
+        <pc:picChg chg="add mod">
+          <ac:chgData name="こうき すえひろ" userId="b0e17d1764f68991" providerId="LiveId" clId="{9054634E-719F-4FB6-8A80-BBD0DAE7A527}" dt="2025-07-09T13:59:40.969" v="151" actId="1076"/>
           <ac:picMkLst>
             <pc:docMk/>
             <pc:sldMk cId="3670751207" sldId="257"/>
@@ -369,7 +441,7 @@
           </ac:picMkLst>
         </pc:picChg>
         <pc:picChg chg="add mod">
-          <ac:chgData name="こうき すえひろ" userId="b0e17d1764f68991" providerId="LiveId" clId="{9054634E-719F-4FB6-8A80-BBD0DAE7A527}" dt="2025-07-09T09:12:59.182" v="21" actId="1076"/>
+          <ac:chgData name="こうき すえひろ" userId="b0e17d1764f68991" providerId="LiveId" clId="{9054634E-719F-4FB6-8A80-BBD0DAE7A527}" dt="2025-07-09T13:57:22.728" v="150" actId="14100"/>
           <ac:picMkLst>
             <pc:docMk/>
             <pc:sldMk cId="3670751207" sldId="257"/>
@@ -377,11 +449,19 @@
           </ac:picMkLst>
         </pc:picChg>
         <pc:picChg chg="add mod">
-          <ac:chgData name="こうき すえひろ" userId="b0e17d1764f68991" providerId="LiveId" clId="{9054634E-719F-4FB6-8A80-BBD0DAE7A527}" dt="2025-07-09T09:13:35.515" v="23" actId="1076"/>
+          <ac:chgData name="こうき すえひろ" userId="b0e17d1764f68991" providerId="LiveId" clId="{9054634E-719F-4FB6-8A80-BBD0DAE7A527}" dt="2025-07-09T13:57:01.512" v="145" actId="14100"/>
           <ac:picMkLst>
             <pc:docMk/>
             <pc:sldMk cId="3670751207" sldId="257"/>
             <ac:picMk id="18" creationId="{06FF98BA-51B2-4609-7EEE-F07F175783CE}"/>
+          </ac:picMkLst>
+        </pc:picChg>
+        <pc:picChg chg="del">
+          <ac:chgData name="こうき すえひろ" userId="b0e17d1764f68991" providerId="LiveId" clId="{9054634E-719F-4FB6-8A80-BBD0DAE7A527}" dt="2025-07-09T13:51:47.179" v="54" actId="478"/>
+          <ac:picMkLst>
+            <pc:docMk/>
+            <pc:sldMk cId="3670751207" sldId="257"/>
+            <ac:picMk id="2052" creationId="{7E5D4E0B-9591-152B-788B-D95B2F506AAE}"/>
           </ac:picMkLst>
         </pc:picChg>
         <pc:cxnChg chg="mod">
@@ -424,6 +504,458 @@
             <ac:cxnSpMk id="17" creationId="{7D69ADD0-3CF3-409F-3E81-4DEA609C1C82}"/>
           </ac:cxnSpMkLst>
         </pc:cxnChg>
+      </pc:sldChg>
+      <pc:sldChg chg="addSp modSp mod">
+        <pc:chgData name="こうき すえひろ" userId="b0e17d1764f68991" providerId="LiveId" clId="{9054634E-719F-4FB6-8A80-BBD0DAE7A527}" dt="2025-07-09T14:03:34.241" v="204"/>
+        <pc:sldMkLst>
+          <pc:docMk/>
+          <pc:sldMk cId="2337948562" sldId="258"/>
+        </pc:sldMkLst>
+        <pc:spChg chg="mod">
+          <ac:chgData name="こうき すえひろ" userId="b0e17d1764f68991" providerId="LiveId" clId="{9054634E-719F-4FB6-8A80-BBD0DAE7A527}" dt="2025-07-09T14:02:21.059" v="194" actId="1076"/>
+          <ac:spMkLst>
+            <pc:docMk/>
+            <pc:sldMk cId="2337948562" sldId="258"/>
+            <ac:spMk id="4" creationId="{55B3C1CB-6095-3304-51A2-E37F71308AD4}"/>
+          </ac:spMkLst>
+        </pc:spChg>
+        <pc:spChg chg="mod">
+          <ac:chgData name="こうき すえひろ" userId="b0e17d1764f68991" providerId="LiveId" clId="{9054634E-719F-4FB6-8A80-BBD0DAE7A527}" dt="2025-07-09T14:02:21.059" v="194" actId="1076"/>
+          <ac:spMkLst>
+            <pc:docMk/>
+            <pc:sldMk cId="2337948562" sldId="258"/>
+            <ac:spMk id="5" creationId="{55222109-9167-86A6-72F3-F14BFE7E3EE4}"/>
+          </ac:spMkLst>
+        </pc:spChg>
+        <pc:spChg chg="mod">
+          <ac:chgData name="こうき すえひろ" userId="b0e17d1764f68991" providerId="LiveId" clId="{9054634E-719F-4FB6-8A80-BBD0DAE7A527}" dt="2025-07-09T14:02:21.059" v="194" actId="1076"/>
+          <ac:spMkLst>
+            <pc:docMk/>
+            <pc:sldMk cId="2337948562" sldId="258"/>
+            <ac:spMk id="6" creationId="{57B19FB8-7ECD-EC74-A75C-01C56203162A}"/>
+          </ac:spMkLst>
+        </pc:spChg>
+        <pc:spChg chg="mod">
+          <ac:chgData name="こうき すえひろ" userId="b0e17d1764f68991" providerId="LiveId" clId="{9054634E-719F-4FB6-8A80-BBD0DAE7A527}" dt="2025-07-09T14:02:21.059" v="194" actId="1076"/>
+          <ac:spMkLst>
+            <pc:docMk/>
+            <pc:sldMk cId="2337948562" sldId="258"/>
+            <ac:spMk id="7" creationId="{FF8A37CE-A10F-6CF5-2503-5F3435F777F1}"/>
+          </ac:spMkLst>
+        </pc:spChg>
+        <pc:spChg chg="add mod">
+          <ac:chgData name="こうき すえひろ" userId="b0e17d1764f68991" providerId="LiveId" clId="{9054634E-719F-4FB6-8A80-BBD0DAE7A527}" dt="2025-07-09T14:03:34.241" v="204"/>
+          <ac:spMkLst>
+            <pc:docMk/>
+            <pc:sldMk cId="2337948562" sldId="258"/>
+            <ac:spMk id="14" creationId="{721523D1-EBEA-03B4-DFF6-2B28611E0D73}"/>
+          </ac:spMkLst>
+        </pc:spChg>
+        <pc:spChg chg="mod">
+          <ac:chgData name="こうき すえひろ" userId="b0e17d1764f68991" providerId="LiveId" clId="{9054634E-719F-4FB6-8A80-BBD0DAE7A527}" dt="2025-07-09T14:02:10.426" v="193" actId="1076"/>
+          <ac:spMkLst>
+            <pc:docMk/>
+            <pc:sldMk cId="2337948562" sldId="258"/>
+            <ac:spMk id="15" creationId="{3B012886-CC28-A5D7-4518-C1D1FB9D27FF}"/>
+          </ac:spMkLst>
+        </pc:spChg>
+        <pc:spChg chg="mod">
+          <ac:chgData name="こうき すえひろ" userId="b0e17d1764f68991" providerId="LiveId" clId="{9054634E-719F-4FB6-8A80-BBD0DAE7A527}" dt="2025-07-09T14:02:21.059" v="194" actId="1076"/>
+          <ac:spMkLst>
+            <pc:docMk/>
+            <pc:sldMk cId="2337948562" sldId="258"/>
+            <ac:spMk id="16" creationId="{861417A9-0417-8F53-E08D-2E021B90FE87}"/>
+          </ac:spMkLst>
+        </pc:spChg>
+        <pc:spChg chg="mod">
+          <ac:chgData name="こうき すえひろ" userId="b0e17d1764f68991" providerId="LiveId" clId="{9054634E-719F-4FB6-8A80-BBD0DAE7A527}" dt="2025-07-09T14:02:32.510" v="195" actId="1076"/>
+          <ac:spMkLst>
+            <pc:docMk/>
+            <pc:sldMk cId="2337948562" sldId="258"/>
+            <ac:spMk id="17" creationId="{3FBF2E95-6024-A66D-6594-9200D7BD56D5}"/>
+          </ac:spMkLst>
+        </pc:spChg>
+        <pc:spChg chg="mod">
+          <ac:chgData name="こうき すえひろ" userId="b0e17d1764f68991" providerId="LiveId" clId="{9054634E-719F-4FB6-8A80-BBD0DAE7A527}" dt="2025-07-09T14:02:21.059" v="194" actId="1076"/>
+          <ac:spMkLst>
+            <pc:docMk/>
+            <pc:sldMk cId="2337948562" sldId="258"/>
+            <ac:spMk id="21" creationId="{D5C6A561-2F37-3196-16AD-8E1AA3B00CAE}"/>
+          </ac:spMkLst>
+        </pc:spChg>
+        <pc:spChg chg="mod">
+          <ac:chgData name="こうき すえひろ" userId="b0e17d1764f68991" providerId="LiveId" clId="{9054634E-719F-4FB6-8A80-BBD0DAE7A527}" dt="2025-07-09T14:02:21.059" v="194" actId="1076"/>
+          <ac:spMkLst>
+            <pc:docMk/>
+            <pc:sldMk cId="2337948562" sldId="258"/>
+            <ac:spMk id="25" creationId="{E7318D60-195E-21AC-453D-7616158C2921}"/>
+          </ac:spMkLst>
+        </pc:spChg>
+        <pc:spChg chg="mod">
+          <ac:chgData name="こうき すえひろ" userId="b0e17d1764f68991" providerId="LiveId" clId="{9054634E-719F-4FB6-8A80-BBD0DAE7A527}" dt="2025-07-09T14:02:21.059" v="194" actId="1076"/>
+          <ac:spMkLst>
+            <pc:docMk/>
+            <pc:sldMk cId="2337948562" sldId="258"/>
+            <ac:spMk id="43" creationId="{F63BE8FF-0FBC-4C15-A7B9-A8CB9C3D6286}"/>
+          </ac:spMkLst>
+        </pc:spChg>
+        <pc:spChg chg="mod">
+          <ac:chgData name="こうき すえひろ" userId="b0e17d1764f68991" providerId="LiveId" clId="{9054634E-719F-4FB6-8A80-BBD0DAE7A527}" dt="2025-07-09T14:02:21.059" v="194" actId="1076"/>
+          <ac:spMkLst>
+            <pc:docMk/>
+            <pc:sldMk cId="2337948562" sldId="258"/>
+            <ac:spMk id="44" creationId="{3DD95A44-AD9C-CB9C-2273-DA6BBCC0C3FD}"/>
+          </ac:spMkLst>
+        </pc:spChg>
+        <pc:spChg chg="mod">
+          <ac:chgData name="こうき すえひろ" userId="b0e17d1764f68991" providerId="LiveId" clId="{9054634E-719F-4FB6-8A80-BBD0DAE7A527}" dt="2025-07-09T14:02:32.510" v="195" actId="1076"/>
+          <ac:spMkLst>
+            <pc:docMk/>
+            <pc:sldMk cId="2337948562" sldId="258"/>
+            <ac:spMk id="51" creationId="{7CFC62C0-D78B-3924-1B2B-39726630337A}"/>
+          </ac:spMkLst>
+        </pc:spChg>
+        <pc:spChg chg="mod">
+          <ac:chgData name="こうき すえひろ" userId="b0e17d1764f68991" providerId="LiveId" clId="{9054634E-719F-4FB6-8A80-BBD0DAE7A527}" dt="2025-07-09T14:02:32.510" v="195" actId="1076"/>
+          <ac:spMkLst>
+            <pc:docMk/>
+            <pc:sldMk cId="2337948562" sldId="258"/>
+            <ac:spMk id="52" creationId="{70DD6408-9BC1-DAD3-8B6F-DC9E17B98B96}"/>
+          </ac:spMkLst>
+        </pc:spChg>
+        <pc:spChg chg="mod">
+          <ac:chgData name="こうき すえひろ" userId="b0e17d1764f68991" providerId="LiveId" clId="{9054634E-719F-4FB6-8A80-BBD0DAE7A527}" dt="2025-07-09T14:02:32.510" v="195" actId="1076"/>
+          <ac:spMkLst>
+            <pc:docMk/>
+            <pc:sldMk cId="2337948562" sldId="258"/>
+            <ac:spMk id="53" creationId="{0313EE03-4F0A-EFBC-8052-2BA25A8351C4}"/>
+          </ac:spMkLst>
+        </pc:spChg>
+        <pc:spChg chg="mod">
+          <ac:chgData name="こうき すえひろ" userId="b0e17d1764f68991" providerId="LiveId" clId="{9054634E-719F-4FB6-8A80-BBD0DAE7A527}" dt="2025-07-09T14:02:32.510" v="195" actId="1076"/>
+          <ac:spMkLst>
+            <pc:docMk/>
+            <pc:sldMk cId="2337948562" sldId="258"/>
+            <ac:spMk id="54" creationId="{C6C93255-9A76-DB23-F414-3F9077A9063A}"/>
+          </ac:spMkLst>
+        </pc:spChg>
+        <pc:spChg chg="mod">
+          <ac:chgData name="こうき すえひろ" userId="b0e17d1764f68991" providerId="LiveId" clId="{9054634E-719F-4FB6-8A80-BBD0DAE7A527}" dt="2025-07-09T14:02:32.510" v="195" actId="1076"/>
+          <ac:spMkLst>
+            <pc:docMk/>
+            <pc:sldMk cId="2337948562" sldId="258"/>
+            <ac:spMk id="60" creationId="{E11564D4-800F-DBF5-71BF-AF04CC758BCD}"/>
+          </ac:spMkLst>
+        </pc:spChg>
+        <pc:grpChg chg="add mod">
+          <ac:chgData name="こうき すえひろ" userId="b0e17d1764f68991" providerId="LiveId" clId="{9054634E-719F-4FB6-8A80-BBD0DAE7A527}" dt="2025-07-09T14:01:05.161" v="161" actId="164"/>
+          <ac:grpSpMkLst>
+            <pc:docMk/>
+            <pc:sldMk cId="2337948562" sldId="258"/>
+            <ac:grpSpMk id="2" creationId="{61EAAA84-950B-E8CE-7904-C2946A5128A5}"/>
+          </ac:grpSpMkLst>
+        </pc:grpChg>
+        <pc:cxnChg chg="mod">
+          <ac:chgData name="こうき すえひろ" userId="b0e17d1764f68991" providerId="LiveId" clId="{9054634E-719F-4FB6-8A80-BBD0DAE7A527}" dt="2025-07-09T14:02:21.059" v="194" actId="1076"/>
+          <ac:cxnSpMkLst>
+            <pc:docMk/>
+            <pc:sldMk cId="2337948562" sldId="258"/>
+            <ac:cxnSpMk id="8" creationId="{8CC813C1-C82A-EC4A-399C-0C14C32D3674}"/>
+          </ac:cxnSpMkLst>
+        </pc:cxnChg>
+        <pc:cxnChg chg="mod">
+          <ac:chgData name="こうき すえひろ" userId="b0e17d1764f68991" providerId="LiveId" clId="{9054634E-719F-4FB6-8A80-BBD0DAE7A527}" dt="2025-07-09T14:01:53.460" v="190" actId="1038"/>
+          <ac:cxnSpMkLst>
+            <pc:docMk/>
+            <pc:sldMk cId="2337948562" sldId="258"/>
+            <ac:cxnSpMk id="10" creationId="{558C23A9-45E4-DEEF-C044-BE230D9978A3}"/>
+          </ac:cxnSpMkLst>
+        </pc:cxnChg>
+        <pc:cxnChg chg="mod">
+          <ac:chgData name="こうき すえひろ" userId="b0e17d1764f68991" providerId="LiveId" clId="{9054634E-719F-4FB6-8A80-BBD0DAE7A527}" dt="2025-07-09T14:01:55.282" v="191" actId="1037"/>
+          <ac:cxnSpMkLst>
+            <pc:docMk/>
+            <pc:sldMk cId="2337948562" sldId="258"/>
+            <ac:cxnSpMk id="13" creationId="{BADCC710-BE73-AA9E-49A2-211A4FC2AB91}"/>
+          </ac:cxnSpMkLst>
+        </pc:cxnChg>
+        <pc:cxnChg chg="mod">
+          <ac:chgData name="こうき すえひろ" userId="b0e17d1764f68991" providerId="LiveId" clId="{9054634E-719F-4FB6-8A80-BBD0DAE7A527}" dt="2025-07-09T14:01:53.460" v="190" actId="1038"/>
+          <ac:cxnSpMkLst>
+            <pc:docMk/>
+            <pc:sldMk cId="2337948562" sldId="258"/>
+            <ac:cxnSpMk id="26" creationId="{17BAAF1E-39A7-8531-6892-E64B3422C6F4}"/>
+          </ac:cxnSpMkLst>
+        </pc:cxnChg>
+        <pc:cxnChg chg="mod">
+          <ac:chgData name="こうき すえひろ" userId="b0e17d1764f68991" providerId="LiveId" clId="{9054634E-719F-4FB6-8A80-BBD0DAE7A527}" dt="2025-07-09T14:01:55.282" v="191" actId="1037"/>
+          <ac:cxnSpMkLst>
+            <pc:docMk/>
+            <pc:sldMk cId="2337948562" sldId="258"/>
+            <ac:cxnSpMk id="29" creationId="{74B78493-6463-14D1-F736-8C339C1B561D}"/>
+          </ac:cxnSpMkLst>
+        </pc:cxnChg>
+        <pc:cxnChg chg="mod">
+          <ac:chgData name="こうき すえひろ" userId="b0e17d1764f68991" providerId="LiveId" clId="{9054634E-719F-4FB6-8A80-BBD0DAE7A527}" dt="2025-07-09T14:01:55.282" v="191" actId="1037"/>
+          <ac:cxnSpMkLst>
+            <pc:docMk/>
+            <pc:sldMk cId="2337948562" sldId="258"/>
+            <ac:cxnSpMk id="32" creationId="{E4CF1CFD-77AE-5484-BA74-2ADBA2798567}"/>
+          </ac:cxnSpMkLst>
+        </pc:cxnChg>
+        <pc:cxnChg chg="mod">
+          <ac:chgData name="こうき すえひろ" userId="b0e17d1764f68991" providerId="LiveId" clId="{9054634E-719F-4FB6-8A80-BBD0DAE7A527}" dt="2025-07-09T14:02:32.510" v="195" actId="1076"/>
+          <ac:cxnSpMkLst>
+            <pc:docMk/>
+            <pc:sldMk cId="2337948562" sldId="258"/>
+            <ac:cxnSpMk id="55" creationId="{0C42EAA6-D379-CA16-6A6C-A820F7F131D6}"/>
+          </ac:cxnSpMkLst>
+        </pc:cxnChg>
+        <pc:cxnChg chg="mod">
+          <ac:chgData name="こうき すえひろ" userId="b0e17d1764f68991" providerId="LiveId" clId="{9054634E-719F-4FB6-8A80-BBD0DAE7A527}" dt="2025-07-09T14:02:32.510" v="195" actId="1076"/>
+          <ac:cxnSpMkLst>
+            <pc:docMk/>
+            <pc:sldMk cId="2337948562" sldId="258"/>
+            <ac:cxnSpMk id="56" creationId="{C486BA6D-DACF-F828-0556-AE5AE22D877F}"/>
+          </ac:cxnSpMkLst>
+        </pc:cxnChg>
+        <pc:cxnChg chg="mod">
+          <ac:chgData name="こうき すえひろ" userId="b0e17d1764f68991" providerId="LiveId" clId="{9054634E-719F-4FB6-8A80-BBD0DAE7A527}" dt="2025-07-09T14:02:32.510" v="195" actId="1076"/>
+          <ac:cxnSpMkLst>
+            <pc:docMk/>
+            <pc:sldMk cId="2337948562" sldId="258"/>
+            <ac:cxnSpMk id="57" creationId="{329A6865-F2B5-7287-C31E-E26F6440175B}"/>
+          </ac:cxnSpMkLst>
+        </pc:cxnChg>
+        <pc:cxnChg chg="mod">
+          <ac:chgData name="こうき すえひろ" userId="b0e17d1764f68991" providerId="LiveId" clId="{9054634E-719F-4FB6-8A80-BBD0DAE7A527}" dt="2025-07-09T14:02:32.510" v="195" actId="1076"/>
+          <ac:cxnSpMkLst>
+            <pc:docMk/>
+            <pc:sldMk cId="2337948562" sldId="258"/>
+            <ac:cxnSpMk id="58" creationId="{9D9F2351-AB5F-D453-43FC-64215C727919}"/>
+          </ac:cxnSpMkLst>
+        </pc:cxnChg>
+      </pc:sldChg>
+      <pc:sldChg chg="addSp delSp modSp mod">
+        <pc:chgData name="こうき すえひろ" userId="b0e17d1764f68991" providerId="LiveId" clId="{9054634E-719F-4FB6-8A80-BBD0DAE7A527}" dt="2025-07-09T14:08:08.266" v="253"/>
+        <pc:sldMkLst>
+          <pc:docMk/>
+          <pc:sldMk cId="1171529384" sldId="259"/>
+        </pc:sldMkLst>
+        <pc:spChg chg="mod">
+          <ac:chgData name="こうき すえひろ" userId="b0e17d1764f68991" providerId="LiveId" clId="{9054634E-719F-4FB6-8A80-BBD0DAE7A527}" dt="2025-07-09T14:04:06.335" v="212" actId="1076"/>
+          <ac:spMkLst>
+            <pc:docMk/>
+            <pc:sldMk cId="1171529384" sldId="259"/>
+            <ac:spMk id="4" creationId="{974EBB11-686D-D67A-F916-E5DA18434C61}"/>
+          </ac:spMkLst>
+        </pc:spChg>
+        <pc:spChg chg="mod">
+          <ac:chgData name="こうき すえひろ" userId="b0e17d1764f68991" providerId="LiveId" clId="{9054634E-719F-4FB6-8A80-BBD0DAE7A527}" dt="2025-07-09T14:04:06.335" v="212" actId="1076"/>
+          <ac:spMkLst>
+            <pc:docMk/>
+            <pc:sldMk cId="1171529384" sldId="259"/>
+            <ac:spMk id="5" creationId="{8F219D14-1AA3-9F20-BC2B-F7CEA72051DA}"/>
+          </ac:spMkLst>
+        </pc:spChg>
+        <pc:spChg chg="add mod">
+          <ac:chgData name="こうき すえひろ" userId="b0e17d1764f68991" providerId="LiveId" clId="{9054634E-719F-4FB6-8A80-BBD0DAE7A527}" dt="2025-07-09T14:07:33.320" v="252"/>
+          <ac:spMkLst>
+            <pc:docMk/>
+            <pc:sldMk cId="1171529384" sldId="259"/>
+            <ac:spMk id="6" creationId="{8AE3EB6B-D2ED-60FB-0585-47BF6D288F42}"/>
+          </ac:spMkLst>
+        </pc:spChg>
+        <pc:spChg chg="mod">
+          <ac:chgData name="こうき すえひろ" userId="b0e17d1764f68991" providerId="LiveId" clId="{9054634E-719F-4FB6-8A80-BBD0DAE7A527}" dt="2025-07-09T14:04:06.335" v="212" actId="1076"/>
+          <ac:spMkLst>
+            <pc:docMk/>
+            <pc:sldMk cId="1171529384" sldId="259"/>
+            <ac:spMk id="7" creationId="{F538F280-BD70-E6EF-F636-055B48517DA0}"/>
+          </ac:spMkLst>
+        </pc:spChg>
+        <pc:spChg chg="add mod">
+          <ac:chgData name="こうき すえひろ" userId="b0e17d1764f68991" providerId="LiveId" clId="{9054634E-719F-4FB6-8A80-BBD0DAE7A527}" dt="2025-07-09T14:08:08.266" v="253"/>
+          <ac:spMkLst>
+            <pc:docMk/>
+            <pc:sldMk cId="1171529384" sldId="259"/>
+            <ac:spMk id="10" creationId="{E434F3C9-A89B-7F44-641E-8047F9517F7B}"/>
+          </ac:spMkLst>
+        </pc:spChg>
+        <pc:spChg chg="mod">
+          <ac:chgData name="こうき すえひろ" userId="b0e17d1764f68991" providerId="LiveId" clId="{9054634E-719F-4FB6-8A80-BBD0DAE7A527}" dt="2025-07-09T14:04:06.335" v="212" actId="1076"/>
+          <ac:spMkLst>
+            <pc:docMk/>
+            <pc:sldMk cId="1171529384" sldId="259"/>
+            <ac:spMk id="12" creationId="{0AA83857-A77C-B8AB-2F0C-7E767937AFEB}"/>
+          </ac:spMkLst>
+        </pc:spChg>
+        <pc:spChg chg="mod">
+          <ac:chgData name="こうき すえひろ" userId="b0e17d1764f68991" providerId="LiveId" clId="{9054634E-719F-4FB6-8A80-BBD0DAE7A527}" dt="2025-07-09T14:04:06.335" v="212" actId="1076"/>
+          <ac:spMkLst>
+            <pc:docMk/>
+            <pc:sldMk cId="1171529384" sldId="259"/>
+            <ac:spMk id="15" creationId="{69A40D62-0BD6-04EE-9783-309C03EFCBE6}"/>
+          </ac:spMkLst>
+        </pc:spChg>
+        <pc:spChg chg="mod">
+          <ac:chgData name="こうき すえひろ" userId="b0e17d1764f68991" providerId="LiveId" clId="{9054634E-719F-4FB6-8A80-BBD0DAE7A527}" dt="2025-07-09T14:04:06.335" v="212" actId="1076"/>
+          <ac:spMkLst>
+            <pc:docMk/>
+            <pc:sldMk cId="1171529384" sldId="259"/>
+            <ac:spMk id="16" creationId="{7FB2ED39-F110-7FC1-FFDB-B7FA9B1B328A}"/>
+          </ac:spMkLst>
+        </pc:spChg>
+        <pc:spChg chg="mod">
+          <ac:chgData name="こうき すえひろ" userId="b0e17d1764f68991" providerId="LiveId" clId="{9054634E-719F-4FB6-8A80-BBD0DAE7A527}" dt="2025-07-09T14:04:06.335" v="212" actId="1076"/>
+          <ac:spMkLst>
+            <pc:docMk/>
+            <pc:sldMk cId="1171529384" sldId="259"/>
+            <ac:spMk id="19" creationId="{26B5221F-A2D5-DE3E-D7E4-8E1144668780}"/>
+          </ac:spMkLst>
+        </pc:spChg>
+        <pc:spChg chg="mod">
+          <ac:chgData name="こうき すえひろ" userId="b0e17d1764f68991" providerId="LiveId" clId="{9054634E-719F-4FB6-8A80-BBD0DAE7A527}" dt="2025-07-09T14:04:06.335" v="212" actId="1076"/>
+          <ac:spMkLst>
+            <pc:docMk/>
+            <pc:sldMk cId="1171529384" sldId="259"/>
+            <ac:spMk id="20" creationId="{67C77144-F7FD-7520-7B41-74ABB0098FE3}"/>
+          </ac:spMkLst>
+        </pc:spChg>
+        <pc:picChg chg="add mod">
+          <ac:chgData name="こうき すえひろ" userId="b0e17d1764f68991" providerId="LiveId" clId="{9054634E-719F-4FB6-8A80-BBD0DAE7A527}" dt="2025-07-09T14:07:00.334" v="249" actId="1035"/>
+          <ac:picMkLst>
+            <pc:docMk/>
+            <pc:sldMk cId="1171529384" sldId="259"/>
+            <ac:picMk id="3" creationId="{72A52747-D9DD-8DC4-7EB0-C453D36E85D2}"/>
+          </ac:picMkLst>
+        </pc:picChg>
+        <pc:picChg chg="add del">
+          <ac:chgData name="こうき すえひろ" userId="b0e17d1764f68991" providerId="LiveId" clId="{9054634E-719F-4FB6-8A80-BBD0DAE7A527}" dt="2025-07-09T14:06:27.491" v="222" actId="478"/>
+          <ac:picMkLst>
+            <pc:docMk/>
+            <pc:sldMk cId="1171529384" sldId="259"/>
+            <ac:picMk id="21" creationId="{54BBBE0A-1FF8-4BA2-3BE6-C8113A325C47}"/>
+          </ac:picMkLst>
+        </pc:picChg>
+        <pc:picChg chg="add mod">
+          <ac:chgData name="こうき すえひろ" userId="b0e17d1764f68991" providerId="LiveId" clId="{9054634E-719F-4FB6-8A80-BBD0DAE7A527}" dt="2025-07-09T14:07:05.791" v="251" actId="1076"/>
+          <ac:picMkLst>
+            <pc:docMk/>
+            <pc:sldMk cId="1171529384" sldId="259"/>
+            <ac:picMk id="23" creationId="{E4171161-C0F2-7646-BE8C-432835B0A914}"/>
+          </ac:picMkLst>
+        </pc:picChg>
+        <pc:picChg chg="del">
+          <ac:chgData name="こうき すえひろ" userId="b0e17d1764f68991" providerId="LiveId" clId="{9054634E-719F-4FB6-8A80-BBD0DAE7A527}" dt="2025-07-09T14:03:40.382" v="205" actId="478"/>
+          <ac:picMkLst>
+            <pc:docMk/>
+            <pc:sldMk cId="1171529384" sldId="259"/>
+            <ac:picMk id="40" creationId="{6E35FBF2-DA04-6589-26BD-E717DB451860}"/>
+          </ac:picMkLst>
+        </pc:picChg>
+        <pc:cxnChg chg="mod">
+          <ac:chgData name="こうき すえひろ" userId="b0e17d1764f68991" providerId="LiveId" clId="{9054634E-719F-4FB6-8A80-BBD0DAE7A527}" dt="2025-07-09T14:04:06.335" v="212" actId="1076"/>
+          <ac:cxnSpMkLst>
+            <pc:docMk/>
+            <pc:sldMk cId="1171529384" sldId="259"/>
+            <ac:cxnSpMk id="14" creationId="{C032ACDA-E5F4-1CDB-516E-997381F00405}"/>
+          </ac:cxnSpMkLst>
+        </pc:cxnChg>
+        <pc:cxnChg chg="mod">
+          <ac:chgData name="こうき すえひろ" userId="b0e17d1764f68991" providerId="LiveId" clId="{9054634E-719F-4FB6-8A80-BBD0DAE7A527}" dt="2025-07-09T14:04:06.335" v="212" actId="1076"/>
+          <ac:cxnSpMkLst>
+            <pc:docMk/>
+            <pc:sldMk cId="1171529384" sldId="259"/>
+            <ac:cxnSpMk id="18" creationId="{494DE380-41C9-2844-F046-C35EE0E24B57}"/>
+          </ac:cxnSpMkLst>
+        </pc:cxnChg>
+      </pc:sldChg>
+      <pc:sldChg chg="addSp delSp modSp mod">
+        <pc:chgData name="こうき すえひろ" userId="b0e17d1764f68991" providerId="LiveId" clId="{9054634E-719F-4FB6-8A80-BBD0DAE7A527}" dt="2025-07-09T14:12:08.868" v="294" actId="14100"/>
+        <pc:sldMkLst>
+          <pc:docMk/>
+          <pc:sldMk cId="2801613114" sldId="260"/>
+        </pc:sldMkLst>
+        <pc:spChg chg="add mod">
+          <ac:chgData name="こうき すえひろ" userId="b0e17d1764f68991" providerId="LiveId" clId="{9054634E-719F-4FB6-8A80-BBD0DAE7A527}" dt="2025-07-09T14:09:48.499" v="264" actId="14100"/>
+          <ac:spMkLst>
+            <pc:docMk/>
+            <pc:sldMk cId="2801613114" sldId="260"/>
+            <ac:spMk id="3" creationId="{BDF57B07-13D7-4B4F-1A56-010BE0463254}"/>
+          </ac:spMkLst>
+        </pc:spChg>
+        <pc:spChg chg="mod">
+          <ac:chgData name="こうき すえひろ" userId="b0e17d1764f68991" providerId="LiveId" clId="{9054634E-719F-4FB6-8A80-BBD0DAE7A527}" dt="2025-07-09T14:10:16.357" v="269" actId="1076"/>
+          <ac:spMkLst>
+            <pc:docMk/>
+            <pc:sldMk cId="2801613114" sldId="260"/>
+            <ac:spMk id="5" creationId="{5700BBBB-3070-B598-457A-06DBC0C7073E}"/>
+          </ac:spMkLst>
+        </pc:spChg>
+        <pc:spChg chg="add del mod">
+          <ac:chgData name="こうき すえひろ" userId="b0e17d1764f68991" providerId="LiveId" clId="{9054634E-719F-4FB6-8A80-BBD0DAE7A527}" dt="2025-07-09T14:10:52.167" v="274" actId="478"/>
+          <ac:spMkLst>
+            <pc:docMk/>
+            <pc:sldMk cId="2801613114" sldId="260"/>
+            <ac:spMk id="7" creationId="{F0D01279-6437-BBE3-5917-09F9A42D278B}"/>
+          </ac:spMkLst>
+        </pc:spChg>
+        <pc:spChg chg="add mod">
+          <ac:chgData name="こうき すえひろ" userId="b0e17d1764f68991" providerId="LiveId" clId="{9054634E-719F-4FB6-8A80-BBD0DAE7A527}" dt="2025-07-09T14:11:05.711" v="279" actId="1076"/>
+          <ac:spMkLst>
+            <pc:docMk/>
+            <pc:sldMk cId="2801613114" sldId="260"/>
+            <ac:spMk id="8" creationId="{C7992751-5B19-1F67-09E3-007FDD7463DE}"/>
+          </ac:spMkLst>
+        </pc:spChg>
+        <pc:picChg chg="mod">
+          <ac:chgData name="こうき すえひろ" userId="b0e17d1764f68991" providerId="LiveId" clId="{9054634E-719F-4FB6-8A80-BBD0DAE7A527}" dt="2025-07-09T14:12:08.868" v="294" actId="14100"/>
+          <ac:picMkLst>
+            <pc:docMk/>
+            <pc:sldMk cId="2801613114" sldId="260"/>
+            <ac:picMk id="4" creationId="{1DB2F2B1-3E17-5AA8-222F-FB0BD00843DE}"/>
+          </ac:picMkLst>
+        </pc:picChg>
+        <pc:picChg chg="add del mod">
+          <ac:chgData name="こうき すえひろ" userId="b0e17d1764f68991" providerId="LiveId" clId="{9054634E-719F-4FB6-8A80-BBD0DAE7A527}" dt="2025-07-09T14:12:03.507" v="293" actId="478"/>
+          <ac:picMkLst>
+            <pc:docMk/>
+            <pc:sldMk cId="2801613114" sldId="260"/>
+            <ac:picMk id="10" creationId="{D9BF0AEE-FFD2-788D-9378-9A3AF5D0C151}"/>
+          </ac:picMkLst>
+        </pc:picChg>
+      </pc:sldChg>
+      <pc:sldChg chg="addSp delSp modSp mod">
+        <pc:chgData name="こうき すえひろ" userId="b0e17d1764f68991" providerId="LiveId" clId="{9054634E-719F-4FB6-8A80-BBD0DAE7A527}" dt="2025-07-09T14:13:01.692" v="302"/>
+        <pc:sldMkLst>
+          <pc:docMk/>
+          <pc:sldMk cId="276032062" sldId="261"/>
+        </pc:sldMkLst>
+        <pc:spChg chg="add del mod">
+          <ac:chgData name="こうき すえひろ" userId="b0e17d1764f68991" providerId="LiveId" clId="{9054634E-719F-4FB6-8A80-BBD0DAE7A527}" dt="2025-07-09T14:12:58.480" v="301" actId="478"/>
+          <ac:spMkLst>
+            <pc:docMk/>
+            <pc:sldMk cId="276032062" sldId="261"/>
+            <ac:spMk id="3" creationId="{9B03F519-0F0E-1684-7D40-52F1B349BEC5}"/>
+          </ac:spMkLst>
+        </pc:spChg>
+        <pc:spChg chg="mod">
+          <ac:chgData name="こうき すえひろ" userId="b0e17d1764f68991" providerId="LiveId" clId="{9054634E-719F-4FB6-8A80-BBD0DAE7A527}" dt="2025-07-09T14:12:18.121" v="295" actId="1076"/>
+          <ac:spMkLst>
+            <pc:docMk/>
+            <pc:sldMk cId="276032062" sldId="261"/>
+            <ac:spMk id="4" creationId="{0D010CD9-4015-E165-B46C-3959800006F8}"/>
+          </ac:spMkLst>
+        </pc:spChg>
+        <pc:spChg chg="add mod">
+          <ac:chgData name="こうき すえひろ" userId="b0e17d1764f68991" providerId="LiveId" clId="{9054634E-719F-4FB6-8A80-BBD0DAE7A527}" dt="2025-07-09T14:13:01.692" v="302"/>
+          <ac:spMkLst>
+            <pc:docMk/>
+            <pc:sldMk cId="276032062" sldId="261"/>
+            <ac:spMk id="6" creationId="{31212E67-0E07-159F-11B8-59B87B44A4B4}"/>
+          </ac:spMkLst>
+        </pc:spChg>
       </pc:sldChg>
     </pc:docChg>
   </pc:docChgLst>
@@ -4442,10 +4974,10 @@
       </p:sp>
       <p:pic>
         <p:nvPicPr>
-          <p:cNvPr id="63" name="図 62">
-            <a:extLst>
-              <a:ext uri="{FF2B5EF4-FFF2-40B4-BE49-F238E27FC236}">
-                <a16:creationId xmlns:a16="http://schemas.microsoft.com/office/drawing/2014/main" id="{94A504B0-4FE1-EDE6-A221-B9AB013F97A6}"/>
+          <p:cNvPr id="11" name="図 10">
+            <a:extLst>
+              <a:ext uri="{FF2B5EF4-FFF2-40B4-BE49-F238E27FC236}">
+                <a16:creationId xmlns:a16="http://schemas.microsoft.com/office/drawing/2014/main" id="{7B0264EE-037A-E550-13C9-4E73ACFCCC24}"/>
               </a:ext>
             </a:extLst>
           </p:cNvPr>
@@ -4456,15 +4988,15 @@
         </p:nvPicPr>
         <p:blipFill>
           <a:blip r:embed="rId2"/>
-          <a:srcRect t="22405"/>
+          <a:srcRect l="3357" t="6404"/>
           <a:stretch>
             <a:fillRect/>
           </a:stretch>
         </p:blipFill>
         <p:spPr>
           <a:xfrm>
-            <a:off x="6895153" y="1108903"/>
-            <a:ext cx="5770313" cy="2888884"/>
+            <a:off x="3397557" y="2108418"/>
+            <a:ext cx="5118837" cy="597393"/>
           </a:xfrm>
           <a:prstGeom prst="rect">
             <a:avLst/>
@@ -4473,10 +5005,10 @@
       </p:pic>
       <p:pic>
         <p:nvPicPr>
-          <p:cNvPr id="11" name="図 10">
-            <a:extLst>
-              <a:ext uri="{FF2B5EF4-FFF2-40B4-BE49-F238E27FC236}">
-                <a16:creationId xmlns:a16="http://schemas.microsoft.com/office/drawing/2014/main" id="{7B0264EE-037A-E550-13C9-4E73ACFCCC24}"/>
+          <p:cNvPr id="14" name="図 13">
+            <a:extLst>
+              <a:ext uri="{FF2B5EF4-FFF2-40B4-BE49-F238E27FC236}">
+                <a16:creationId xmlns:a16="http://schemas.microsoft.com/office/drawing/2014/main" id="{EFAD9EAD-FE83-7181-12B6-2C77AFFF341B}"/>
               </a:ext>
             </a:extLst>
           </p:cNvPr>
@@ -4487,15 +5019,14 @@
         </p:nvPicPr>
         <p:blipFill>
           <a:blip r:embed="rId3"/>
-          <a:srcRect l="3357" t="6404"/>
           <a:stretch>
             <a:fillRect/>
           </a:stretch>
         </p:blipFill>
         <p:spPr>
           <a:xfrm>
-            <a:off x="3321019" y="2489704"/>
-            <a:ext cx="5118837" cy="597393"/>
+            <a:off x="3400755" y="3944386"/>
+            <a:ext cx="5115639" cy="238158"/>
           </a:xfrm>
           <a:prstGeom prst="rect">
             <a:avLst/>
@@ -4504,10 +5035,10 @@
       </p:pic>
       <p:pic>
         <p:nvPicPr>
-          <p:cNvPr id="14" name="図 13">
-            <a:extLst>
-              <a:ext uri="{FF2B5EF4-FFF2-40B4-BE49-F238E27FC236}">
-                <a16:creationId xmlns:a16="http://schemas.microsoft.com/office/drawing/2014/main" id="{EFAD9EAD-FE83-7181-12B6-2C77AFFF341B}"/>
+          <p:cNvPr id="13" name="図 12" descr="テキスト&#10;&#10;AI 生成コンテンツは誤りを含む可能性があります。">
+            <a:extLst>
+              <a:ext uri="{FF2B5EF4-FFF2-40B4-BE49-F238E27FC236}">
+                <a16:creationId xmlns:a16="http://schemas.microsoft.com/office/drawing/2014/main" id="{8B01B8E6-00DC-2F04-0782-0B92F4866B57}"/>
               </a:ext>
             </a:extLst>
           </p:cNvPr>
@@ -4517,21 +5048,115 @@
           <p:nvPr/>
         </p:nvPicPr>
         <p:blipFill>
-          <a:blip r:embed="rId4"/>
+          <a:blip r:embed="rId4">
+            <a:extLst>
+              <a:ext uri="{28A0092B-C50C-407E-A947-70E740481C1C}">
+                <a14:useLocalDpi xmlns:a14="http://schemas.microsoft.com/office/drawing/2010/main" val="0"/>
+              </a:ext>
+            </a:extLst>
+          </a:blip>
           <a:stretch>
             <a:fillRect/>
           </a:stretch>
         </p:blipFill>
         <p:spPr>
           <a:xfrm>
-            <a:off x="3400755" y="3944386"/>
-            <a:ext cx="5115639" cy="238158"/>
+            <a:off x="9427409" y="655448"/>
+            <a:ext cx="2375373" cy="5739518"/>
           </a:xfrm>
           <a:prstGeom prst="rect">
             <a:avLst/>
           </a:prstGeom>
         </p:spPr>
       </p:pic>
+      <p:sp>
+        <p:nvSpPr>
+          <p:cNvPr id="18" name="テキスト ボックス 17">
+            <a:extLst>
+              <a:ext uri="{FF2B5EF4-FFF2-40B4-BE49-F238E27FC236}">
+                <a16:creationId xmlns:a16="http://schemas.microsoft.com/office/drawing/2014/main" id="{EBDB1279-E54B-A87B-886C-59A0913D61CC}"/>
+              </a:ext>
+            </a:extLst>
+          </p:cNvPr>
+          <p:cNvSpPr txBox="1"/>
+          <p:nvPr/>
+        </p:nvSpPr>
+        <p:spPr>
+          <a:xfrm>
+            <a:off x="3242032" y="2727309"/>
+            <a:ext cx="5970719" cy="1077218"/>
+          </a:xfrm>
+          <a:prstGeom prst="rect">
+            <a:avLst/>
+          </a:prstGeom>
+          <a:noFill/>
+        </p:spPr>
+        <p:txBody>
+          <a:bodyPr wrap="square">
+            <a:spAutoFit/>
+          </a:bodyPr>
+          <a:lstStyle/>
+          <a:p>
+            <a:r>
+              <a:rPr lang="en-US" altLang="ja-JP" sz="1600" dirty="0"/>
+              <a:t>For more details, please refer to the link</a:t>
+            </a:r>
+            <a:r>
+              <a:rPr lang="ja-JP" altLang="en-US" sz="1600" dirty="0"/>
+              <a:t>：</a:t>
+            </a:r>
+            <a:r>
+              <a:rPr lang="en-US" altLang="ja-JP" sz="1600" dirty="0"/>
+              <a:t>https://github.com/MUNAKATA-EPC/Aegis_2025/blob/main/2025/Salvador/attack%EF%BC%86defence/Software/white/main%20w/include/gyro.h</a:t>
+            </a:r>
+            <a:endParaRPr lang="ja-JP" altLang="en-US" sz="1600" dirty="0"/>
+          </a:p>
+        </p:txBody>
+      </p:sp>
+      <p:sp>
+        <p:nvSpPr>
+          <p:cNvPr id="21" name="テキスト ボックス 20">
+            <a:extLst>
+              <a:ext uri="{FF2B5EF4-FFF2-40B4-BE49-F238E27FC236}">
+                <a16:creationId xmlns:a16="http://schemas.microsoft.com/office/drawing/2014/main" id="{698ACF6A-D304-566A-5041-9157C57CEEDE}"/>
+              </a:ext>
+            </a:extLst>
+          </p:cNvPr>
+          <p:cNvSpPr txBox="1"/>
+          <p:nvPr/>
+        </p:nvSpPr>
+        <p:spPr>
+          <a:xfrm>
+            <a:off x="3242032" y="4223388"/>
+            <a:ext cx="6096000" cy="1077218"/>
+          </a:xfrm>
+          <a:prstGeom prst="rect">
+            <a:avLst/>
+          </a:prstGeom>
+          <a:noFill/>
+        </p:spPr>
+        <p:txBody>
+          <a:bodyPr wrap="square">
+            <a:spAutoFit/>
+          </a:bodyPr>
+          <a:lstStyle/>
+          <a:p>
+            <a:r>
+              <a:rPr lang="en-US" altLang="ja-JP" sz="1600" dirty="0"/>
+              <a:t>For more details, please refer to the link</a:t>
+            </a:r>
+            <a:r>
+              <a:rPr lang="ja-JP" altLang="en-US" sz="1600" dirty="0"/>
+              <a:t>：</a:t>
+            </a:r>
+            <a:r>
+              <a:rPr lang="en-US" altLang="ja-JP" sz="1600" dirty="0"/>
+              <a:t>https://github.com/MUNAKATA-EPC/Aegis_2025/blob/main/2025/Salvador/attack%EF%BC%86defence/Software/white/main%20w/include/motor.h</a:t>
+            </a:r>
+            <a:endParaRPr lang="ja-JP" altLang="en-US" sz="1600" dirty="0"/>
+          </a:p>
+        </p:txBody>
+      </p:sp>
     </p:spTree>
     <p:extLst>
       <p:ext uri="{BB962C8B-B14F-4D97-AF65-F5344CB8AC3E}">
@@ -5217,57 +5842,40 @@
       </p:cxnSp>
       <p:pic>
         <p:nvPicPr>
-          <p:cNvPr id="2052" name="Picture 4">
-            <a:extLst>
-              <a:ext uri="{FF2B5EF4-FFF2-40B4-BE49-F238E27FC236}">
-                <a16:creationId xmlns:a16="http://schemas.microsoft.com/office/drawing/2014/main" id="{7E5D4E0B-9591-152B-788B-D95B2F506AAE}"/>
+          <p:cNvPr id="3" name="図 2">
+            <a:extLst>
+              <a:ext uri="{FF2B5EF4-FFF2-40B4-BE49-F238E27FC236}">
+                <a16:creationId xmlns:a16="http://schemas.microsoft.com/office/drawing/2014/main" id="{20018827-25E8-5511-6BE0-3FC5F0D9D229}"/>
               </a:ext>
             </a:extLst>
           </p:cNvPr>
           <p:cNvPicPr>
-            <a:picLocks noChangeAspect="1" noChangeArrowheads="1"/>
+            <a:picLocks noChangeAspect="1"/>
           </p:cNvPicPr>
           <p:nvPr/>
         </p:nvPicPr>
-        <p:blipFill rotWithShape="1">
-          <a:blip r:embed="rId2">
-            <a:extLst>
-              <a:ext uri="{28A0092B-C50C-407E-A947-70E740481C1C}">
-                <a14:useLocalDpi xmlns:a14="http://schemas.microsoft.com/office/drawing/2010/main" val="0"/>
-              </a:ext>
-            </a:extLst>
-          </a:blip>
-          <a:srcRect l="26037" t="47898" r="53073" b="2703"/>
+        <p:blipFill>
+          <a:blip r:embed="rId2"/>
           <a:stretch>
             <a:fillRect/>
           </a:stretch>
         </p:blipFill>
-        <p:spPr bwMode="auto">
+        <p:spPr>
           <a:xfrm>
-            <a:off x="6640190" y="480255"/>
-            <a:ext cx="4773983" cy="6245092"/>
+            <a:off x="4046287" y="1391716"/>
+            <a:ext cx="2454442" cy="2037284"/>
           </a:xfrm>
           <a:prstGeom prst="rect">
             <a:avLst/>
           </a:prstGeom>
-          <a:noFill/>
-          <a:extLst>
-            <a:ext uri="{909E8E84-426E-40DD-AFC4-6F175D3DCCD1}">
-              <a14:hiddenFill xmlns:a14="http://schemas.microsoft.com/office/drawing/2010/main">
-                <a:solidFill>
-                  <a:srgbClr val="FFFFFF"/>
-                </a:solidFill>
-              </a14:hiddenFill>
-            </a:ext>
-          </a:extLst>
         </p:spPr>
       </p:pic>
       <p:pic>
         <p:nvPicPr>
-          <p:cNvPr id="3" name="図 2">
-            <a:extLst>
-              <a:ext uri="{FF2B5EF4-FFF2-40B4-BE49-F238E27FC236}">
-                <a16:creationId xmlns:a16="http://schemas.microsoft.com/office/drawing/2014/main" id="{20018827-25E8-5511-6BE0-3FC5F0D9D229}"/>
+          <p:cNvPr id="14" name="図 13">
+            <a:extLst>
+              <a:ext uri="{FF2B5EF4-FFF2-40B4-BE49-F238E27FC236}">
+                <a16:creationId xmlns:a16="http://schemas.microsoft.com/office/drawing/2014/main" id="{15FBF707-AB19-1433-50C2-A6E9FE1889BB}"/>
               </a:ext>
             </a:extLst>
           </p:cNvPr>
@@ -5284,8 +5892,8 @@
         </p:blipFill>
         <p:spPr>
           <a:xfrm>
-            <a:off x="3976519" y="1835051"/>
-            <a:ext cx="2410161" cy="2000529"/>
+            <a:off x="3143748" y="4860252"/>
+            <a:ext cx="5365251" cy="394296"/>
           </a:xfrm>
           <a:prstGeom prst="rect">
             <a:avLst/>
@@ -5294,10 +5902,10 @@
       </p:pic>
       <p:pic>
         <p:nvPicPr>
-          <p:cNvPr id="14" name="図 13">
-            <a:extLst>
-              <a:ext uri="{FF2B5EF4-FFF2-40B4-BE49-F238E27FC236}">
-                <a16:creationId xmlns:a16="http://schemas.microsoft.com/office/drawing/2014/main" id="{15FBF707-AB19-1433-50C2-A6E9FE1889BB}"/>
+          <p:cNvPr id="18" name="図 17">
+            <a:extLst>
+              <a:ext uri="{FF2B5EF4-FFF2-40B4-BE49-F238E27FC236}">
+                <a16:creationId xmlns:a16="http://schemas.microsoft.com/office/drawing/2014/main" id="{06FF98BA-51B2-4609-7EEE-F07F175783CE}"/>
               </a:ext>
             </a:extLst>
           </p:cNvPr>
@@ -5314,8 +5922,8 @@
         </p:blipFill>
         <p:spPr>
           <a:xfrm>
-            <a:off x="3419475" y="5054346"/>
-            <a:ext cx="3629532" cy="266737"/>
+            <a:off x="3143749" y="3745816"/>
+            <a:ext cx="5365251" cy="540853"/>
           </a:xfrm>
           <a:prstGeom prst="rect">
             <a:avLst/>
@@ -5324,10 +5932,10 @@
       </p:pic>
       <p:pic>
         <p:nvPicPr>
-          <p:cNvPr id="18" name="図 17">
-            <a:extLst>
-              <a:ext uri="{FF2B5EF4-FFF2-40B4-BE49-F238E27FC236}">
-                <a16:creationId xmlns:a16="http://schemas.microsoft.com/office/drawing/2014/main" id="{06FF98BA-51B2-4609-7EEE-F07F175783CE}"/>
+          <p:cNvPr id="2" name="図 1" descr="スクリーンショットの画面&#10;&#10;AI 生成コンテンツは誤りを含む可能性があります。">
+            <a:extLst>
+              <a:ext uri="{FF2B5EF4-FFF2-40B4-BE49-F238E27FC236}">
+                <a16:creationId xmlns:a16="http://schemas.microsoft.com/office/drawing/2014/main" id="{8A535693-3624-5AC3-7405-8D016AAA8F2A}"/>
               </a:ext>
             </a:extLst>
           </p:cNvPr>
@@ -5337,21 +5945,71 @@
           <p:nvPr/>
         </p:nvPicPr>
         <p:blipFill>
-          <a:blip r:embed="rId5"/>
+          <a:blip r:embed="rId5">
+            <a:extLst>
+              <a:ext uri="{28A0092B-C50C-407E-A947-70E740481C1C}">
+                <a14:useLocalDpi xmlns:a14="http://schemas.microsoft.com/office/drawing/2010/main" val="0"/>
+              </a:ext>
+            </a:extLst>
+          </a:blip>
           <a:stretch>
             <a:fillRect/>
           </a:stretch>
         </p:blipFill>
         <p:spPr>
           <a:xfrm>
-            <a:off x="3527466" y="4032919"/>
-            <a:ext cx="4048690" cy="390580"/>
+            <a:off x="8877033" y="939665"/>
+            <a:ext cx="3136470" cy="3920587"/>
           </a:xfrm>
           <a:prstGeom prst="rect">
             <a:avLst/>
           </a:prstGeom>
         </p:spPr>
       </p:pic>
+      <p:sp>
+        <p:nvSpPr>
+          <p:cNvPr id="4" name="テキスト ボックス 3">
+            <a:extLst>
+              <a:ext uri="{FF2B5EF4-FFF2-40B4-BE49-F238E27FC236}">
+                <a16:creationId xmlns:a16="http://schemas.microsoft.com/office/drawing/2014/main" id="{BA6FC8A6-64FF-157F-2F01-4A9241E9BAC1}"/>
+              </a:ext>
+            </a:extLst>
+          </p:cNvPr>
+          <p:cNvSpPr txBox="1"/>
+          <p:nvPr/>
+        </p:nvSpPr>
+        <p:spPr>
+          <a:xfrm>
+            <a:off x="3419475" y="5684584"/>
+            <a:ext cx="7299292" cy="830997"/>
+          </a:xfrm>
+          <a:prstGeom prst="rect">
+            <a:avLst/>
+          </a:prstGeom>
+          <a:noFill/>
+        </p:spPr>
+        <p:txBody>
+          <a:bodyPr wrap="square">
+            <a:spAutoFit/>
+          </a:bodyPr>
+          <a:lstStyle/>
+          <a:p>
+            <a:r>
+              <a:rPr lang="en-US" altLang="ja-JP" sz="1600" dirty="0"/>
+              <a:t>For more details, please refer to the link</a:t>
+            </a:r>
+            <a:r>
+              <a:rPr lang="ja-JP" altLang="en-US" sz="1600" dirty="0"/>
+              <a:t>：</a:t>
+            </a:r>
+            <a:r>
+              <a:rPr lang="en-US" altLang="ja-JP" sz="1600" dirty="0"/>
+              <a:t>https://github.com/MUNAKATA-EPC/Aegis_2025/tree/main/2025/Salvador/attack%EF%BC%86defence/Software/white/defense_IRvector%20w</a:t>
+            </a:r>
+            <a:endParaRPr lang="ja-JP" altLang="en-US" sz="1600" dirty="0"/>
+          </a:p>
+        </p:txBody>
+      </p:sp>
     </p:spTree>
     <p:extLst>
       <p:ext uri="{BB962C8B-B14F-4D97-AF65-F5344CB8AC3E}">
@@ -5396,7 +6054,7 @@
         </p:nvSpPr>
         <p:spPr>
           <a:xfrm>
-            <a:off x="1663796" y="1197810"/>
+            <a:off x="698596" y="1175920"/>
             <a:ext cx="2543830" cy="866274"/>
           </a:xfrm>
           <a:prstGeom prst="flowChartAlternateProcess">
@@ -5465,7 +6123,7 @@
         </p:nvSpPr>
         <p:spPr>
           <a:xfrm>
-            <a:off x="1679838" y="2368884"/>
+            <a:off x="714638" y="2346994"/>
             <a:ext cx="2543830" cy="866274"/>
           </a:xfrm>
           <a:prstGeom prst="flowChartProcess">
@@ -5570,7 +6228,7 @@
         </p:nvSpPr>
         <p:spPr>
           <a:xfrm>
-            <a:off x="1695880" y="3535947"/>
+            <a:off x="730680" y="3514057"/>
             <a:ext cx="2543830" cy="866274"/>
           </a:xfrm>
           <a:prstGeom prst="flowChartProcess">
@@ -5665,7 +6323,7 @@
         </p:nvSpPr>
         <p:spPr>
           <a:xfrm>
-            <a:off x="1711922" y="5804568"/>
+            <a:off x="746722" y="5782678"/>
             <a:ext cx="2543830" cy="866274"/>
           </a:xfrm>
           <a:prstGeom prst="flowChartAlternateProcess">
@@ -5738,7 +6396,7 @@
         </p:nvCxnSpPr>
         <p:spPr>
           <a:xfrm rot="16200000" flipH="1">
-            <a:off x="2791332" y="2208463"/>
+            <a:off x="1826132" y="2186573"/>
             <a:ext cx="304800" cy="16042"/>
           </a:xfrm>
           <a:prstGeom prst="curvedConnector3">
@@ -5786,7 +6444,7 @@
         </p:nvCxnSpPr>
         <p:spPr>
           <a:xfrm rot="16200000" flipH="1">
-            <a:off x="2809380" y="3377531"/>
+            <a:off x="1844180" y="3355641"/>
             <a:ext cx="300789" cy="16042"/>
           </a:xfrm>
           <a:prstGeom prst="curvedConnector3">
@@ -5826,13 +6484,14 @@
           <p:cNvCxnSpPr>
             <a:cxnSpLocks/>
             <a:stCxn id="6" idx="2"/>
+            <a:endCxn id="21" idx="0"/>
           </p:cNvCxnSpPr>
           <p:nvPr/>
         </p:nvCxnSpPr>
         <p:spPr>
-          <a:xfrm rot="5400000">
-            <a:off x="2818783" y="4509881"/>
-            <a:ext cx="256672" cy="41352"/>
+          <a:xfrm rot="16200000" flipH="1">
+            <a:off x="1893053" y="4489872"/>
+            <a:ext cx="235284" cy="16201"/>
           </a:xfrm>
           <a:prstGeom prst="curvedConnector3">
             <a:avLst>
@@ -5872,14 +6531,15 @@
           </p:cNvPr>
           <p:cNvCxnSpPr>
             <a:cxnSpLocks/>
+            <a:stCxn id="21" idx="2"/>
             <a:endCxn id="7" idx="0"/>
           </p:cNvCxnSpPr>
           <p:nvPr/>
         </p:nvCxnSpPr>
         <p:spPr>
-          <a:xfrm rot="16200000" flipH="1">
-            <a:off x="2815440" y="5636171"/>
-            <a:ext cx="279400" cy="57394"/>
+          <a:xfrm rot="5400000">
+            <a:off x="1890381" y="5654262"/>
+            <a:ext cx="256673" cy="159"/>
           </a:xfrm>
           <a:prstGeom prst="curvedConnector3">
             <a:avLst>
@@ -5922,8 +6582,8 @@
         </p:nvSpPr>
         <p:spPr>
           <a:xfrm>
-            <a:off x="580571" y="122080"/>
-            <a:ext cx="9826172" cy="646331"/>
+            <a:off x="0" y="20328"/>
+            <a:ext cx="12360729" cy="646331"/>
           </a:xfrm>
           <a:prstGeom prst="rect">
             <a:avLst/>
@@ -5964,7 +6624,7 @@
         </p:nvSpPr>
         <p:spPr>
           <a:xfrm>
-            <a:off x="2181726" y="739882"/>
+            <a:off x="1216526" y="717992"/>
             <a:ext cx="1514833" cy="461665"/>
           </a:xfrm>
           <a:prstGeom prst="rect">
@@ -6000,7 +6660,7 @@
         </p:nvSpPr>
         <p:spPr>
           <a:xfrm>
-            <a:off x="7623629" y="717992"/>
+            <a:off x="6120733" y="670169"/>
             <a:ext cx="2075542" cy="461665"/>
           </a:xfrm>
           <a:prstGeom prst="rect">
@@ -6036,7 +6696,7 @@
         </p:nvSpPr>
         <p:spPr>
           <a:xfrm>
-            <a:off x="1491920" y="4637505"/>
+            <a:off x="552120" y="4615615"/>
             <a:ext cx="2933351" cy="910390"/>
           </a:xfrm>
           <a:prstGeom prst="flowChartDecision">
@@ -6105,7 +6765,7 @@
         </p:nvSpPr>
         <p:spPr>
           <a:xfrm>
-            <a:off x="4510113" y="4648198"/>
+            <a:off x="3544913" y="4626308"/>
             <a:ext cx="1818116" cy="866274"/>
           </a:xfrm>
           <a:prstGeom prst="flowChartProcess">
@@ -6195,8 +6855,8 @@
         </p:nvCxnSpPr>
         <p:spPr>
           <a:xfrm flipV="1">
-            <a:off x="4425271" y="5081335"/>
-            <a:ext cx="84842" cy="11365"/>
+            <a:off x="3485471" y="5059445"/>
+            <a:ext cx="59442" cy="11365"/>
           </a:xfrm>
           <a:prstGeom prst="curvedConnector3">
             <a:avLst>
@@ -6243,7 +6903,7 @@
         </p:nvCxnSpPr>
         <p:spPr>
           <a:xfrm rot="5400000">
-            <a:off x="4475846" y="5294379"/>
+            <a:off x="3510646" y="5272489"/>
             <a:ext cx="723233" cy="1163419"/>
           </a:xfrm>
           <a:prstGeom prst="curvedConnector2">
@@ -6289,7 +6949,7 @@
         </p:nvCxnSpPr>
         <p:spPr>
           <a:xfrm rot="10800000">
-            <a:off x="1679838" y="2802021"/>
+            <a:off x="714638" y="2780131"/>
             <a:ext cx="32084" cy="3435684"/>
           </a:xfrm>
           <a:prstGeom prst="curvedConnector3">
@@ -6333,7 +6993,7 @@
         </p:nvSpPr>
         <p:spPr>
           <a:xfrm>
-            <a:off x="4207658" y="4648198"/>
+            <a:off x="3242458" y="4626308"/>
             <a:ext cx="315900" cy="369332"/>
           </a:xfrm>
           <a:prstGeom prst="rect">
@@ -6369,7 +7029,7 @@
         </p:nvSpPr>
         <p:spPr>
           <a:xfrm>
-            <a:off x="3124348" y="5435236"/>
+            <a:off x="2159148" y="5413346"/>
             <a:ext cx="360925" cy="369332"/>
           </a:xfrm>
           <a:prstGeom prst="rect">
@@ -6405,7 +7065,7 @@
         </p:nvSpPr>
         <p:spPr>
           <a:xfrm>
-            <a:off x="7241059" y="1262888"/>
+            <a:off x="5738163" y="1215065"/>
             <a:ext cx="2543830" cy="866274"/>
           </a:xfrm>
           <a:prstGeom prst="flowChartAlternateProcess">
@@ -6474,7 +7134,7 @@
         </p:nvSpPr>
         <p:spPr>
           <a:xfrm>
-            <a:off x="7257101" y="2433962"/>
+            <a:off x="5754205" y="2386139"/>
             <a:ext cx="2543830" cy="866274"/>
           </a:xfrm>
           <a:prstGeom prst="flowChartProcess">
@@ -6557,7 +7217,7 @@
         </p:nvSpPr>
         <p:spPr>
           <a:xfrm>
-            <a:off x="7273143" y="3601025"/>
+            <a:off x="5770247" y="3553202"/>
             <a:ext cx="2543830" cy="866274"/>
           </a:xfrm>
           <a:prstGeom prst="flowChartProcess">
@@ -6650,7 +7310,7 @@
         </p:nvSpPr>
         <p:spPr>
           <a:xfrm>
-            <a:off x="7289185" y="5869646"/>
+            <a:off x="5786289" y="5821823"/>
             <a:ext cx="2543830" cy="866274"/>
           </a:xfrm>
           <a:prstGeom prst="flowChartAlternateProcess">
@@ -6723,7 +7383,7 @@
         </p:nvCxnSpPr>
         <p:spPr>
           <a:xfrm rot="16200000" flipH="1">
-            <a:off x="8368595" y="2273541"/>
+            <a:off x="6865699" y="2225718"/>
             <a:ext cx="304800" cy="16042"/>
           </a:xfrm>
           <a:prstGeom prst="curvedConnector3">
@@ -6771,7 +7431,7 @@
         </p:nvCxnSpPr>
         <p:spPr>
           <a:xfrm rot="16200000" flipH="1">
-            <a:off x="8386643" y="3442609"/>
+            <a:off x="6883747" y="3394786"/>
             <a:ext cx="300789" cy="16042"/>
           </a:xfrm>
           <a:prstGeom prst="curvedConnector3">
@@ -6817,7 +7477,7 @@
         </p:nvCxnSpPr>
         <p:spPr>
           <a:xfrm rot="16200000" flipH="1">
-            <a:off x="8412879" y="4599478"/>
+            <a:off x="6909983" y="4551655"/>
             <a:ext cx="272378" cy="8020"/>
           </a:xfrm>
           <a:prstGeom prst="curvedConnector3">
@@ -6865,7 +7525,7 @@
         </p:nvCxnSpPr>
         <p:spPr>
           <a:xfrm rot="16200000" flipH="1">
-            <a:off x="8425242" y="5733787"/>
+            <a:off x="6922346" y="5685964"/>
             <a:ext cx="263695" cy="8022"/>
           </a:xfrm>
           <a:prstGeom prst="curvedConnector3">
@@ -6909,7 +7569,7 @@
         </p:nvSpPr>
         <p:spPr>
           <a:xfrm>
-            <a:off x="7273141" y="4739677"/>
+            <a:off x="5770245" y="4691854"/>
             <a:ext cx="2559873" cy="866274"/>
           </a:xfrm>
           <a:prstGeom prst="flowChartProcess">
@@ -6999,7 +7659,7 @@
         </p:nvCxnSpPr>
         <p:spPr>
           <a:xfrm rot="10800000">
-            <a:off x="7257101" y="2867099"/>
+            <a:off x="5754205" y="2819276"/>
             <a:ext cx="32084" cy="3435684"/>
           </a:xfrm>
           <a:prstGeom prst="curvedConnector3">
@@ -7029,6 +7689,50 @@
           </a:fontRef>
         </p:style>
       </p:cxnSp>
+      <p:sp>
+        <p:nvSpPr>
+          <p:cNvPr id="14" name="テキスト ボックス 13">
+            <a:extLst>
+              <a:ext uri="{FF2B5EF4-FFF2-40B4-BE49-F238E27FC236}">
+                <a16:creationId xmlns:a16="http://schemas.microsoft.com/office/drawing/2014/main" id="{721523D1-EBEA-03B4-DFF6-2B28611E0D73}"/>
+              </a:ext>
+            </a:extLst>
+          </p:cNvPr>
+          <p:cNvSpPr txBox="1"/>
+          <p:nvPr/>
+        </p:nvSpPr>
+        <p:spPr>
+          <a:xfrm>
+            <a:off x="8484088" y="4039758"/>
+            <a:ext cx="2637773" cy="2062103"/>
+          </a:xfrm>
+          <a:prstGeom prst="rect">
+            <a:avLst/>
+          </a:prstGeom>
+          <a:noFill/>
+        </p:spPr>
+        <p:txBody>
+          <a:bodyPr wrap="square">
+            <a:spAutoFit/>
+          </a:bodyPr>
+          <a:lstStyle/>
+          <a:p>
+            <a:r>
+              <a:rPr lang="en-US" altLang="ja-JP" sz="1600" dirty="0"/>
+              <a:t>For more details, please refer to the link</a:t>
+            </a:r>
+            <a:r>
+              <a:rPr lang="ja-JP" altLang="en-US" sz="1600" dirty="0"/>
+              <a:t>：</a:t>
+            </a:r>
+            <a:r>
+              <a:rPr lang="en-US" altLang="ja-JP" sz="1600" dirty="0"/>
+              <a:t>https://github.com/MUNAKATA-EPC/Aegis_2025/tree/main/2025/Salvador/attack%EF%BC%86defence/Software</a:t>
+            </a:r>
+            <a:endParaRPr lang="ja-JP" altLang="en-US" sz="1600" dirty="0"/>
+          </a:p>
+        </p:txBody>
+      </p:sp>
     </p:spTree>
     <p:extLst>
       <p:ext uri="{BB962C8B-B14F-4D97-AF65-F5344CB8AC3E}">
@@ -7073,7 +7777,7 @@
         </p:nvSpPr>
         <p:spPr>
           <a:xfrm>
-            <a:off x="1663796" y="1197810"/>
+            <a:off x="773430" y="1100034"/>
             <a:ext cx="2454442" cy="866274"/>
           </a:xfrm>
           <a:prstGeom prst="flowChartAlternateProcess">
@@ -7142,7 +7846,7 @@
         </p:nvSpPr>
         <p:spPr>
           <a:xfrm>
-            <a:off x="1679838" y="2368884"/>
+            <a:off x="789472" y="2271108"/>
             <a:ext cx="2454442" cy="866274"/>
           </a:xfrm>
           <a:prstGeom prst="flowChartProcess">
@@ -7220,7 +7924,7 @@
         </p:nvSpPr>
         <p:spPr>
           <a:xfrm>
-            <a:off x="1711922" y="5848110"/>
+            <a:off x="821556" y="5750334"/>
             <a:ext cx="2454442" cy="866274"/>
           </a:xfrm>
           <a:prstGeom prst="flowChartAlternateProcess">
@@ -7293,7 +7997,7 @@
         </p:nvCxnSpPr>
         <p:spPr>
           <a:xfrm rot="16200000" flipH="1">
-            <a:off x="2746638" y="2208463"/>
+            <a:off x="1856272" y="2110687"/>
             <a:ext cx="304800" cy="16042"/>
           </a:xfrm>
           <a:prstGeom prst="curvedConnector3">
@@ -7340,7 +8044,7 @@
         </p:nvCxnSpPr>
         <p:spPr>
           <a:xfrm rot="16200000" flipH="1">
-            <a:off x="2764686" y="3377531"/>
+            <a:off x="1874320" y="3279755"/>
             <a:ext cx="300789" cy="16042"/>
           </a:xfrm>
           <a:prstGeom prst="curvedConnector3">
@@ -7382,7 +8086,7 @@
         </p:nvSpPr>
         <p:spPr>
           <a:xfrm>
-            <a:off x="1711922" y="4707398"/>
+            <a:off x="821556" y="4609622"/>
             <a:ext cx="2454442" cy="866274"/>
           </a:xfrm>
           <a:prstGeom prst="flowChartProcess">
@@ -7485,7 +8189,7 @@
         </p:nvCxnSpPr>
         <p:spPr>
           <a:xfrm rot="5400000">
-            <a:off x="2801924" y="5710891"/>
+            <a:off x="1911558" y="5613115"/>
             <a:ext cx="274438" cy="12700"/>
           </a:xfrm>
           <a:prstGeom prst="curvedConnector3">
@@ -7531,7 +8235,7 @@
         </p:nvCxnSpPr>
         <p:spPr>
           <a:xfrm rot="16200000" flipH="1">
-            <a:off x="2736257" y="4552638"/>
+            <a:off x="1845891" y="4454862"/>
             <a:ext cx="303652" cy="5868"/>
           </a:xfrm>
           <a:prstGeom prst="curvedConnector3">
@@ -7575,7 +8279,7 @@
         </p:nvSpPr>
         <p:spPr>
           <a:xfrm>
-            <a:off x="1450626" y="3516083"/>
+            <a:off x="560260" y="3418307"/>
             <a:ext cx="2933351" cy="910390"/>
           </a:xfrm>
           <a:prstGeom prst="flowChartDecision">
@@ -7662,7 +8366,7 @@
         </p:nvSpPr>
         <p:spPr>
           <a:xfrm>
-            <a:off x="4468818" y="3526776"/>
+            <a:off x="3578452" y="3429000"/>
             <a:ext cx="2154075" cy="866274"/>
           </a:xfrm>
           <a:prstGeom prst="flowChartProcess">
@@ -7757,7 +8461,7 @@
         </p:nvCxnSpPr>
         <p:spPr>
           <a:xfrm flipV="1">
-            <a:off x="4383977" y="3959913"/>
+            <a:off x="3493611" y="3862137"/>
             <a:ext cx="84841" cy="11365"/>
           </a:xfrm>
           <a:prstGeom prst="curvedConnector3">
@@ -7805,7 +8509,7 @@
         </p:nvCxnSpPr>
         <p:spPr>
           <a:xfrm rot="5400000">
-            <a:off x="4482368" y="4077046"/>
+            <a:off x="3592002" y="3979270"/>
             <a:ext cx="747485" cy="1379492"/>
           </a:xfrm>
           <a:prstGeom prst="curvedConnector2">
@@ -7847,7 +8551,7 @@
         </p:nvSpPr>
         <p:spPr>
           <a:xfrm>
-            <a:off x="4166364" y="3526776"/>
+            <a:off x="3275998" y="3429000"/>
             <a:ext cx="315900" cy="369332"/>
           </a:xfrm>
           <a:prstGeom prst="rect">
@@ -7883,7 +8587,7 @@
         </p:nvSpPr>
         <p:spPr>
           <a:xfrm>
-            <a:off x="3083054" y="4313814"/>
+            <a:off x="2192688" y="4216038"/>
             <a:ext cx="360925" cy="369332"/>
           </a:xfrm>
           <a:prstGeom prst="rect">
@@ -7923,7 +8627,7 @@
         </p:nvCxnSpPr>
         <p:spPr>
           <a:xfrm rot="10800000">
-            <a:off x="1679838" y="2802021"/>
+            <a:off x="789472" y="2704245"/>
             <a:ext cx="32084" cy="3479226"/>
           </a:xfrm>
           <a:prstGeom prst="curvedConnector3">
@@ -7953,36 +8657,6 @@
           </a:fontRef>
         </p:style>
       </p:cxnSp>
-      <p:pic>
-        <p:nvPicPr>
-          <p:cNvPr id="40" name="図 39">
-            <a:extLst>
-              <a:ext uri="{FF2B5EF4-FFF2-40B4-BE49-F238E27FC236}">
-                <a16:creationId xmlns:a16="http://schemas.microsoft.com/office/drawing/2014/main" id="{6E35FBF2-DA04-6589-26BD-E717DB451860}"/>
-              </a:ext>
-            </a:extLst>
-          </p:cNvPr>
-          <p:cNvPicPr>
-            <a:picLocks noChangeAspect="1"/>
-          </p:cNvPicPr>
-          <p:nvPr/>
-        </p:nvPicPr>
-        <p:blipFill>
-          <a:blip r:embed="rId2"/>
-          <a:stretch>
-            <a:fillRect/>
-          </a:stretch>
-        </p:blipFill>
-        <p:spPr>
-          <a:xfrm>
-            <a:off x="6966209" y="712220"/>
-            <a:ext cx="4874837" cy="5647453"/>
-          </a:xfrm>
-          <a:prstGeom prst="rect">
-            <a:avLst/>
-          </a:prstGeom>
-        </p:spPr>
-      </p:pic>
       <p:sp>
         <p:nvSpPr>
           <p:cNvPr id="42" name="テキスト ボックス 41">
@@ -8036,6 +8710,160 @@
           </a:p>
         </p:txBody>
       </p:sp>
+      <p:pic>
+        <p:nvPicPr>
+          <p:cNvPr id="3" name="図 2" descr="アプリケーション&#10;&#10;AI 生成コンテンツは誤りを含む可能性があります。">
+            <a:extLst>
+              <a:ext uri="{FF2B5EF4-FFF2-40B4-BE49-F238E27FC236}">
+                <a16:creationId xmlns:a16="http://schemas.microsoft.com/office/drawing/2014/main" id="{72A52747-D9DD-8DC4-7EB0-C453D36E85D2}"/>
+              </a:ext>
+            </a:extLst>
+          </p:cNvPr>
+          <p:cNvPicPr>
+            <a:picLocks noChangeAspect="1"/>
+          </p:cNvPicPr>
+          <p:nvPr/>
+        </p:nvPicPr>
+        <p:blipFill>
+          <a:blip r:embed="rId2">
+            <a:extLst>
+              <a:ext uri="{28A0092B-C50C-407E-A947-70E740481C1C}">
+                <a14:useLocalDpi xmlns:a14="http://schemas.microsoft.com/office/drawing/2010/main" val="0"/>
+              </a:ext>
+            </a:extLst>
+          </a:blip>
+          <a:stretch>
+            <a:fillRect/>
+          </a:stretch>
+        </p:blipFill>
+        <p:spPr>
+          <a:xfrm>
+            <a:off x="8953722" y="2313479"/>
+            <a:ext cx="3052711" cy="4497725"/>
+          </a:xfrm>
+          <a:prstGeom prst="rect">
+            <a:avLst/>
+          </a:prstGeom>
+        </p:spPr>
+      </p:pic>
+      <p:sp>
+        <p:nvSpPr>
+          <p:cNvPr id="6" name="テキスト ボックス 5">
+            <a:extLst>
+              <a:ext uri="{FF2B5EF4-FFF2-40B4-BE49-F238E27FC236}">
+                <a16:creationId xmlns:a16="http://schemas.microsoft.com/office/drawing/2014/main" id="{8AE3EB6B-D2ED-60FB-0585-47BF6D288F42}"/>
+              </a:ext>
+            </a:extLst>
+          </p:cNvPr>
+          <p:cNvSpPr txBox="1"/>
+          <p:nvPr/>
+        </p:nvSpPr>
+        <p:spPr>
+          <a:xfrm>
+            <a:off x="3390136" y="1964337"/>
+            <a:ext cx="5557951" cy="1077218"/>
+          </a:xfrm>
+          <a:prstGeom prst="rect">
+            <a:avLst/>
+          </a:prstGeom>
+          <a:noFill/>
+        </p:spPr>
+        <p:txBody>
+          <a:bodyPr wrap="square">
+            <a:spAutoFit/>
+          </a:bodyPr>
+          <a:lstStyle/>
+          <a:p>
+            <a:r>
+              <a:rPr lang="en-US" altLang="ja-JP" sz="1600" dirty="0"/>
+              <a:t>For more details, please refer to the link</a:t>
+            </a:r>
+            <a:r>
+              <a:rPr lang="ja-JP" altLang="en-US" sz="1600" dirty="0"/>
+              <a:t>：</a:t>
+            </a:r>
+            <a:r>
+              <a:rPr lang="en-US" altLang="ja-JP" sz="1600" dirty="0"/>
+              <a:t>https://github.com/MUNAKATA-EPC/Aegis_2025/blob/main/2025/Salvador/attack%EF%BC%86defence/Software/white/camera%20w.py</a:t>
+            </a:r>
+            <a:endParaRPr lang="ja-JP" altLang="en-US" sz="1600" dirty="0"/>
+          </a:p>
+        </p:txBody>
+      </p:sp>
+      <p:sp>
+        <p:nvSpPr>
+          <p:cNvPr id="10" name="テキスト ボックス 9">
+            <a:extLst>
+              <a:ext uri="{FF2B5EF4-FFF2-40B4-BE49-F238E27FC236}">
+                <a16:creationId xmlns:a16="http://schemas.microsoft.com/office/drawing/2014/main" id="{E434F3C9-A89B-7F44-641E-8047F9517F7B}"/>
+              </a:ext>
+            </a:extLst>
+          </p:cNvPr>
+          <p:cNvSpPr txBox="1"/>
+          <p:nvPr/>
+        </p:nvSpPr>
+        <p:spPr>
+          <a:xfrm>
+            <a:off x="3536031" y="5345977"/>
+            <a:ext cx="5117193" cy="1077218"/>
+          </a:xfrm>
+          <a:prstGeom prst="rect">
+            <a:avLst/>
+          </a:prstGeom>
+          <a:noFill/>
+        </p:spPr>
+        <p:txBody>
+          <a:bodyPr wrap="square">
+            <a:spAutoFit/>
+          </a:bodyPr>
+          <a:lstStyle/>
+          <a:p>
+            <a:r>
+              <a:rPr lang="en-US" altLang="ja-JP" sz="1600" dirty="0"/>
+              <a:t>For more details, please refer to the link</a:t>
+            </a:r>
+            <a:r>
+              <a:rPr lang="ja-JP" altLang="en-US" sz="1600" dirty="0"/>
+              <a:t>：</a:t>
+            </a:r>
+            <a:r>
+              <a:rPr lang="en-US" altLang="ja-JP" sz="1600" dirty="0"/>
+              <a:t>https://github.com/MUNAKATA-EPC/Aegis_2025/tree/main/2025/Salvador/attack%EF%BC%86defence/Software</a:t>
+            </a:r>
+            <a:endParaRPr lang="ja-JP" altLang="en-US" sz="1600" dirty="0"/>
+          </a:p>
+        </p:txBody>
+      </p:sp>
+      <p:pic>
+        <p:nvPicPr>
+          <p:cNvPr id="23" name="図 22">
+            <a:extLst>
+              <a:ext uri="{FF2B5EF4-FFF2-40B4-BE49-F238E27FC236}">
+                <a16:creationId xmlns:a16="http://schemas.microsoft.com/office/drawing/2014/main" id="{E4171161-C0F2-7646-BE8C-432835B0A914}"/>
+              </a:ext>
+            </a:extLst>
+          </p:cNvPr>
+          <p:cNvPicPr>
+            <a:picLocks noChangeAspect="1"/>
+          </p:cNvPicPr>
+          <p:nvPr/>
+        </p:nvPicPr>
+        <p:blipFill>
+          <a:blip r:embed="rId3"/>
+          <a:stretch>
+            <a:fillRect/>
+          </a:stretch>
+        </p:blipFill>
+        <p:spPr>
+          <a:xfrm>
+            <a:off x="3433948" y="1111730"/>
+            <a:ext cx="7500752" cy="776706"/>
+          </a:xfrm>
+          <a:prstGeom prst="rect">
+            <a:avLst/>
+          </a:prstGeom>
+        </p:spPr>
+      </p:pic>
     </p:spTree>
     <p:extLst>
       <p:ext uri="{BB962C8B-B14F-4D97-AF65-F5344CB8AC3E}">
@@ -8088,8 +8916,8 @@
         </p:blipFill>
         <p:spPr>
           <a:xfrm>
-            <a:off x="166561" y="1727247"/>
-            <a:ext cx="5073727" cy="4569279"/>
+            <a:off x="627731" y="990647"/>
+            <a:ext cx="4357490" cy="3924253"/>
           </a:xfrm>
           <a:prstGeom prst="rect">
             <a:avLst/>
@@ -8110,7 +8938,7 @@
         </p:nvSpPr>
         <p:spPr>
           <a:xfrm>
-            <a:off x="5240288" y="1772211"/>
+            <a:off x="5040545" y="1200711"/>
             <a:ext cx="6785151" cy="4247317"/>
           </a:xfrm>
           <a:prstGeom prst="rect">
@@ -8150,6 +8978,93 @@
           </a:p>
           <a:p>
             <a:endParaRPr kumimoji="1" lang="ja-JP" altLang="en-US" dirty="0"/>
+          </a:p>
+        </p:txBody>
+      </p:sp>
+      <p:sp>
+        <p:nvSpPr>
+          <p:cNvPr id="3" name="テキスト ボックス 2">
+            <a:extLst>
+              <a:ext uri="{FF2B5EF4-FFF2-40B4-BE49-F238E27FC236}">
+                <a16:creationId xmlns:a16="http://schemas.microsoft.com/office/drawing/2014/main" id="{BDF57B07-13D7-4B4F-1A56-010BE0463254}"/>
+              </a:ext>
+            </a:extLst>
+          </p:cNvPr>
+          <p:cNvSpPr txBox="1"/>
+          <p:nvPr/>
+        </p:nvSpPr>
+        <p:spPr>
+          <a:xfrm>
+            <a:off x="166561" y="134307"/>
+            <a:ext cx="2894139" cy="1200329"/>
+          </a:xfrm>
+          <a:prstGeom prst="rect">
+            <a:avLst/>
+          </a:prstGeom>
+          <a:noFill/>
+        </p:spPr>
+        <p:txBody>
+          <a:bodyPr wrap="square">
+            <a:spAutoFit/>
+          </a:bodyPr>
+          <a:lstStyle/>
+          <a:p>
+            <a:r>
+              <a:rPr lang="en-US" altLang="ja-JP" sz="3600" b="1" i="0" dirty="0">
+                <a:solidFill>
+                  <a:srgbClr val="202124"/>
+                </a:solidFill>
+                <a:effectLst/>
+                <a:latin typeface="docs-Roboto"/>
+              </a:rPr>
+              <a:t>Innovations</a:t>
+            </a:r>
+            <a:br>
+              <a:rPr lang="en-US" altLang="ja-JP" sz="3600" b="1" dirty="0"/>
+            </a:br>
+            <a:endParaRPr lang="ja-JP" altLang="en-US" sz="3600" b="1" dirty="0"/>
+          </a:p>
+        </p:txBody>
+      </p:sp>
+      <p:sp>
+        <p:nvSpPr>
+          <p:cNvPr id="8" name="テキスト ボックス 7">
+            <a:extLst>
+              <a:ext uri="{FF2B5EF4-FFF2-40B4-BE49-F238E27FC236}">
+                <a16:creationId xmlns:a16="http://schemas.microsoft.com/office/drawing/2014/main" id="{C7992751-5B19-1F67-09E3-007FDD7463DE}"/>
+              </a:ext>
+            </a:extLst>
+          </p:cNvPr>
+          <p:cNvSpPr txBox="1"/>
+          <p:nvPr/>
+        </p:nvSpPr>
+        <p:spPr>
+          <a:xfrm>
+            <a:off x="627731" y="5930853"/>
+            <a:ext cx="10675269" cy="830997"/>
+          </a:xfrm>
+          <a:prstGeom prst="rect">
+            <a:avLst/>
+          </a:prstGeom>
+          <a:noFill/>
+        </p:spPr>
+        <p:txBody>
+          <a:bodyPr wrap="square">
+            <a:spAutoFit/>
+          </a:bodyPr>
+          <a:lstStyle/>
+          <a:p>
+            <a:r>
+              <a:rPr lang="en-US" altLang="ja-JP" sz="1600" dirty="0"/>
+              <a:t>For more details, please refer to the link</a:t>
+            </a:r>
+            <a:r>
+              <a:rPr lang="ja-JP" altLang="en-US" sz="1600" dirty="0"/>
+              <a:t>：https://github.com/MUNAKATA-EPC/Aegis_2025/tree/main/2025/Salvador/attack%EF%BC%86defence/Software/white/defence_LINE%20w</a:t>
+            </a:r>
+          </a:p>
+          <a:p>
+            <a:endParaRPr lang="ja-JP" altLang="en-US" sz="1600" dirty="0"/>
           </a:p>
         </p:txBody>
       </p:sp>
@@ -8197,8 +9112,8 @@
         </p:nvSpPr>
         <p:spPr>
           <a:xfrm>
-            <a:off x="4844716" y="1524000"/>
-            <a:ext cx="7042484" cy="5355312"/>
+            <a:off x="4823848" y="529085"/>
+            <a:ext cx="7042484" cy="5078313"/>
           </a:xfrm>
           <a:prstGeom prst="rect">
             <a:avLst/>
@@ -8266,9 +9181,6 @@
               <a:rPr lang="en-US" altLang="ja-JP" dirty="0"/>
               <a:t>6.Finally, all activated sensor numbers are stored in the array.</a:t>
             </a:r>
-          </a:p>
-          <a:p>
-            <a:endParaRPr kumimoji="1" lang="ja-JP" altLang="en-US" dirty="0"/>
           </a:p>
         </p:txBody>
       </p:sp>
@@ -9399,6 +10311,48 @@
               <a:t>N</a:t>
             </a:r>
             <a:endParaRPr kumimoji="1" lang="ja-JP" altLang="en-US" b="1" dirty="0"/>
+          </a:p>
+        </p:txBody>
+      </p:sp>
+      <p:sp>
+        <p:nvSpPr>
+          <p:cNvPr id="6" name="テキスト ボックス 5">
+            <a:extLst>
+              <a:ext uri="{FF2B5EF4-FFF2-40B4-BE49-F238E27FC236}">
+                <a16:creationId xmlns:a16="http://schemas.microsoft.com/office/drawing/2014/main" id="{31212E67-0E07-159F-11B8-59B87B44A4B4}"/>
+              </a:ext>
+            </a:extLst>
+          </p:cNvPr>
+          <p:cNvSpPr txBox="1"/>
+          <p:nvPr/>
+        </p:nvSpPr>
+        <p:spPr>
+          <a:xfrm>
+            <a:off x="4408006" y="5755127"/>
+            <a:ext cx="6601346" cy="1323439"/>
+          </a:xfrm>
+          <a:prstGeom prst="rect">
+            <a:avLst/>
+          </a:prstGeom>
+          <a:noFill/>
+        </p:spPr>
+        <p:txBody>
+          <a:bodyPr wrap="square">
+            <a:spAutoFit/>
+          </a:bodyPr>
+          <a:lstStyle/>
+          <a:p>
+            <a:r>
+              <a:rPr lang="en-US" altLang="ja-JP" sz="1600" dirty="0"/>
+              <a:t>For more details, please refer to the link</a:t>
+            </a:r>
+            <a:r>
+              <a:rPr lang="ja-JP" altLang="en-US" sz="1600" dirty="0"/>
+              <a:t>：https://github.com/MUNAKATA-EPC/Aegis_2025/blob/main/2025/Salvador/attack%EF%BC%86defence/Software/white/main%20w/include/linecul.h</a:t>
+            </a:r>
+          </a:p>
+          <a:p>
+            <a:endParaRPr lang="ja-JP" altLang="en-US" sz="1600" dirty="0"/>
           </a:p>
         </p:txBody>
       </p:sp>
